--- a/demos/rotate/旋转矩阵.pptx
+++ b/demos/rotate/旋转矩阵.pptx
@@ -6,12 +6,16 @@
   </p:sldMasterIdLst>
   <p:sldIdLst>
     <p:sldId id="256" r:id="rId3"/>
-    <p:sldId id="257" r:id="rId4"/>
+    <p:sldId id="258" r:id="rId4"/>
+    <p:sldId id="259" r:id="rId5"/>
+    <p:sldId id="260" r:id="rId6"/>
+    <p:sldId id="261" r:id="rId7"/>
+    <p:sldId id="257" r:id="rId8"/>
   </p:sldIdLst>
   <p:sldSz cx="12192000" cy="6858000"/>
   <p:notesSz cx="6858000" cy="9144000"/>
   <p:custDataLst>
-    <p:tags r:id="rId8"/>
+    <p:tags r:id="rId12"/>
   </p:custDataLst>
   <p:defaultTextStyle>
     <a:defPPr>
@@ -3647,6 +3651,2131 @@
         <p:nvPr/>
       </p:nvGrpSpPr>
       <p:grpSpPr/>
+      <p:sp>
+        <p:nvSpPr>
+          <p:cNvPr id="2" name="平行四边形 1"/>
+          <p:cNvSpPr/>
+          <p:nvPr/>
+        </p:nvSpPr>
+        <p:spPr>
+          <a:xfrm>
+            <a:off x="1739265" y="1851660"/>
+            <a:ext cx="5257165" cy="2229485"/>
+          </a:xfrm>
+          <a:prstGeom prst="parallelogram">
+            <a:avLst>
+              <a:gd name="adj" fmla="val 93624"/>
+            </a:avLst>
+          </a:prstGeom>
+        </p:spPr>
+        <p:style>
+          <a:lnRef idx="2">
+            <a:schemeClr val="accent3">
+              <a:shade val="50000"/>
+            </a:schemeClr>
+          </a:lnRef>
+          <a:fillRef idx="1">
+            <a:schemeClr val="accent3"/>
+          </a:fillRef>
+          <a:effectRef idx="0">
+            <a:schemeClr val="accent3"/>
+          </a:effectRef>
+          <a:fontRef idx="minor">
+            <a:schemeClr val="lt1"/>
+          </a:fontRef>
+        </p:style>
+        <p:txBody>
+          <a:bodyPr rtlCol="0" anchor="ctr"/>
+          <a:p>
+            <a:pPr algn="ctr"/>
+            <a:endParaRPr lang="zh-CN" altLang="en-US"/>
+          </a:p>
+        </p:txBody>
+      </p:sp>
+      <p:cxnSp>
+        <p:nvCxnSpPr>
+          <p:cNvPr id="4" name="直接箭头连接符 3"/>
+          <p:cNvCxnSpPr/>
+          <p:nvPr/>
+        </p:nvCxnSpPr>
+        <p:spPr>
+          <a:xfrm flipV="1">
+            <a:off x="4552950" y="761365"/>
+            <a:ext cx="0" cy="2148840"/>
+          </a:xfrm>
+          <a:prstGeom prst="straightConnector1">
+            <a:avLst/>
+          </a:prstGeom>
+          <a:ln>
+            <a:tailEnd type="arrow"/>
+          </a:ln>
+        </p:spPr>
+        <p:style>
+          <a:lnRef idx="1">
+            <a:schemeClr val="accent1"/>
+          </a:lnRef>
+          <a:fillRef idx="0">
+            <a:schemeClr val="accent1"/>
+          </a:fillRef>
+          <a:effectRef idx="0">
+            <a:schemeClr val="accent1"/>
+          </a:effectRef>
+          <a:fontRef idx="minor">
+            <a:schemeClr val="tx1"/>
+          </a:fontRef>
+        </p:style>
+      </p:cxnSp>
+      <p:cxnSp>
+        <p:nvCxnSpPr>
+          <p:cNvPr id="5" name="直接箭头连接符 4"/>
+          <p:cNvCxnSpPr/>
+          <p:nvPr>
+            <p:custDataLst>
+              <p:tags r:id="rId1"/>
+            </p:custDataLst>
+          </p:nvPr>
+        </p:nvCxnSpPr>
+        <p:spPr>
+          <a:xfrm>
+            <a:off x="2882900" y="2906395"/>
+            <a:ext cx="3830320" cy="11430"/>
+          </a:xfrm>
+          <a:prstGeom prst="straightConnector1">
+            <a:avLst/>
+          </a:prstGeom>
+          <a:ln>
+            <a:tailEnd type="arrow" w="med" len="med"/>
+          </a:ln>
+        </p:spPr>
+        <p:style>
+          <a:lnRef idx="1">
+            <a:schemeClr val="accent2"/>
+          </a:lnRef>
+          <a:fillRef idx="0">
+            <a:schemeClr val="accent2"/>
+          </a:fillRef>
+          <a:effectRef idx="0">
+            <a:schemeClr val="accent2"/>
+          </a:effectRef>
+          <a:fontRef idx="minor">
+            <a:schemeClr val="tx1"/>
+          </a:fontRef>
+        </p:style>
+      </p:cxnSp>
+      <p:cxnSp>
+        <p:nvCxnSpPr>
+          <p:cNvPr id="6" name="直接箭头连接符 5"/>
+          <p:cNvCxnSpPr/>
+          <p:nvPr>
+            <p:custDataLst>
+              <p:tags r:id="rId2"/>
+            </p:custDataLst>
+          </p:nvPr>
+        </p:nvCxnSpPr>
+        <p:spPr>
+          <a:xfrm flipH="1">
+            <a:off x="3202305" y="2055495"/>
+            <a:ext cx="2163445" cy="2272665"/>
+          </a:xfrm>
+          <a:prstGeom prst="straightConnector1">
+            <a:avLst/>
+          </a:prstGeom>
+          <a:ln>
+            <a:tailEnd type="arrow" w="med" len="med"/>
+          </a:ln>
+        </p:spPr>
+        <p:style>
+          <a:lnRef idx="1">
+            <a:schemeClr val="accent4"/>
+          </a:lnRef>
+          <a:fillRef idx="0">
+            <a:schemeClr val="accent4"/>
+          </a:fillRef>
+          <a:effectRef idx="0">
+            <a:schemeClr val="accent4"/>
+          </a:effectRef>
+          <a:fontRef idx="minor">
+            <a:schemeClr val="tx1"/>
+          </a:fontRef>
+        </p:style>
+      </p:cxnSp>
+      <p:sp>
+        <p:nvSpPr>
+          <p:cNvPr id="7" name="文本框 6"/>
+          <p:cNvSpPr txBox="1"/>
+          <p:nvPr/>
+        </p:nvSpPr>
+        <p:spPr>
+          <a:xfrm>
+            <a:off x="4691380" y="518795"/>
+            <a:ext cx="467995" cy="368300"/>
+          </a:xfrm>
+          <a:prstGeom prst="rect">
+            <a:avLst/>
+          </a:prstGeom>
+          <a:noFill/>
+        </p:spPr>
+        <p:txBody>
+          <a:bodyPr wrap="square" rtlCol="0">
+            <a:spAutoFit/>
+          </a:bodyPr>
+          <a:p>
+            <a:r>
+              <a:rPr lang="en-US" altLang="zh-CN"/>
+              <a:t>X</a:t>
+            </a:r>
+            <a:endParaRPr lang="en-US" altLang="zh-CN"/>
+          </a:p>
+        </p:txBody>
+      </p:sp>
+      <p:sp>
+        <p:nvSpPr>
+          <p:cNvPr id="8" name="文本框 7"/>
+          <p:cNvSpPr txBox="1"/>
+          <p:nvPr>
+            <p:custDataLst>
+              <p:tags r:id="rId3"/>
+            </p:custDataLst>
+          </p:nvPr>
+        </p:nvSpPr>
+        <p:spPr>
+          <a:xfrm>
+            <a:off x="6713220" y="2917825"/>
+            <a:ext cx="467995" cy="368300"/>
+          </a:xfrm>
+          <a:prstGeom prst="rect">
+            <a:avLst/>
+          </a:prstGeom>
+          <a:noFill/>
+        </p:spPr>
+        <p:txBody>
+          <a:bodyPr wrap="square" rtlCol="0">
+            <a:spAutoFit/>
+          </a:bodyPr>
+          <a:p>
+            <a:r>
+              <a:rPr lang="en-US" altLang="zh-CN"/>
+              <a:t>Y</a:t>
+            </a:r>
+            <a:endParaRPr lang="en-US" altLang="zh-CN"/>
+          </a:p>
+        </p:txBody>
+      </p:sp>
+      <p:sp>
+        <p:nvSpPr>
+          <p:cNvPr id="9" name="文本框 8"/>
+          <p:cNvSpPr txBox="1"/>
+          <p:nvPr>
+            <p:custDataLst>
+              <p:tags r:id="rId4"/>
+            </p:custDataLst>
+          </p:nvPr>
+        </p:nvSpPr>
+        <p:spPr>
+          <a:xfrm>
+            <a:off x="3202305" y="4328160"/>
+            <a:ext cx="467995" cy="368300"/>
+          </a:xfrm>
+          <a:prstGeom prst="rect">
+            <a:avLst/>
+          </a:prstGeom>
+          <a:noFill/>
+        </p:spPr>
+        <p:txBody>
+          <a:bodyPr wrap="square" rtlCol="0">
+            <a:spAutoFit/>
+          </a:bodyPr>
+          <a:p>
+            <a:r>
+              <a:rPr lang="en-US" altLang="zh-CN"/>
+              <a:t>Z</a:t>
+            </a:r>
+            <a:endParaRPr lang="en-US" altLang="zh-CN"/>
+          </a:p>
+        </p:txBody>
+      </p:sp>
+      <p:cxnSp>
+        <p:nvCxnSpPr>
+          <p:cNvPr id="10" name="直接箭头连接符 9"/>
+          <p:cNvCxnSpPr/>
+          <p:nvPr>
+            <p:custDataLst>
+              <p:tags r:id="rId5"/>
+            </p:custDataLst>
+          </p:nvPr>
+        </p:nvCxnSpPr>
+        <p:spPr>
+          <a:xfrm flipH="1" flipV="1">
+            <a:off x="2839720" y="1795780"/>
+            <a:ext cx="1713230" cy="1111250"/>
+          </a:xfrm>
+          <a:prstGeom prst="straightConnector1">
+            <a:avLst/>
+          </a:prstGeom>
+          <a:ln>
+            <a:tailEnd type="arrow" w="med" len="med"/>
+          </a:ln>
+        </p:spPr>
+        <p:style>
+          <a:lnRef idx="1">
+            <a:schemeClr val="dk1"/>
+          </a:lnRef>
+          <a:fillRef idx="0">
+            <a:schemeClr val="dk1"/>
+          </a:fillRef>
+          <a:effectRef idx="0">
+            <a:schemeClr val="dk1"/>
+          </a:effectRef>
+          <a:fontRef idx="minor">
+            <a:schemeClr val="tx1"/>
+          </a:fontRef>
+        </p:style>
+      </p:cxnSp>
+      <p:sp>
+        <p:nvSpPr>
+          <p:cNvPr id="11" name="文本框 10"/>
+          <p:cNvSpPr txBox="1"/>
+          <p:nvPr/>
+        </p:nvSpPr>
+        <p:spPr>
+          <a:xfrm>
+            <a:off x="2520950" y="1427480"/>
+            <a:ext cx="4064000" cy="368300"/>
+          </a:xfrm>
+          <a:prstGeom prst="rect">
+            <a:avLst/>
+          </a:prstGeom>
+          <a:noFill/>
+        </p:spPr>
+        <p:txBody>
+          <a:bodyPr wrap="square" rtlCol="0">
+            <a:spAutoFit/>
+          </a:bodyPr>
+          <a:p>
+            <a:r>
+              <a:rPr lang="en-US" altLang="zh-CN"/>
+              <a:t>A</a:t>
+            </a:r>
+            <a:endParaRPr lang="en-US" altLang="zh-CN"/>
+          </a:p>
+        </p:txBody>
+      </p:sp>
+      <p:cxnSp>
+        <p:nvCxnSpPr>
+          <p:cNvPr id="3" name="直接箭头连接符 2"/>
+          <p:cNvCxnSpPr/>
+          <p:nvPr/>
+        </p:nvCxnSpPr>
+        <p:spPr>
+          <a:xfrm flipH="1" flipV="1">
+            <a:off x="3835400" y="1953895"/>
+            <a:ext cx="698500" cy="933450"/>
+          </a:xfrm>
+          <a:prstGeom prst="straightConnector1">
+            <a:avLst/>
+          </a:prstGeom>
+          <a:ln>
+            <a:tailEnd type="arrow" w="med" len="med"/>
+          </a:ln>
+        </p:spPr>
+        <p:style>
+          <a:lnRef idx="3">
+            <a:schemeClr val="accent6"/>
+          </a:lnRef>
+          <a:fillRef idx="0">
+            <a:schemeClr val="accent6"/>
+          </a:fillRef>
+          <a:effectRef idx="2">
+            <a:schemeClr val="accent6"/>
+          </a:effectRef>
+          <a:fontRef idx="minor">
+            <a:schemeClr val="tx1"/>
+          </a:fontRef>
+        </p:style>
+      </p:cxnSp>
+      <p:cxnSp>
+        <p:nvCxnSpPr>
+          <p:cNvPr id="26" name="直接连接符 25"/>
+          <p:cNvCxnSpPr/>
+          <p:nvPr>
+            <p:custDataLst>
+              <p:tags r:id="rId6"/>
+            </p:custDataLst>
+          </p:nvPr>
+        </p:nvCxnSpPr>
+        <p:spPr>
+          <a:xfrm flipV="1">
+            <a:off x="2265680" y="3612515"/>
+            <a:ext cx="1584960" cy="23495"/>
+          </a:xfrm>
+          <a:prstGeom prst="line">
+            <a:avLst/>
+          </a:prstGeom>
+          <a:ln w="12700" cmpd="sng">
+            <a:solidFill>
+              <a:schemeClr val="accent1">
+                <a:shade val="50000"/>
+              </a:schemeClr>
+            </a:solidFill>
+            <a:prstDash val="sysDot"/>
+          </a:ln>
+        </p:spPr>
+        <p:style>
+          <a:lnRef idx="1">
+            <a:schemeClr val="accent1"/>
+          </a:lnRef>
+          <a:fillRef idx="0">
+            <a:schemeClr val="accent1"/>
+          </a:fillRef>
+          <a:effectRef idx="0">
+            <a:schemeClr val="accent1"/>
+          </a:effectRef>
+          <a:fontRef idx="minor">
+            <a:schemeClr val="tx1"/>
+          </a:fontRef>
+        </p:style>
+      </p:cxnSp>
+      <p:cxnSp>
+        <p:nvCxnSpPr>
+          <p:cNvPr id="27" name="直接连接符 26"/>
+          <p:cNvCxnSpPr/>
+          <p:nvPr>
+            <p:custDataLst>
+              <p:tags r:id="rId7"/>
+            </p:custDataLst>
+          </p:nvPr>
+        </p:nvCxnSpPr>
+        <p:spPr>
+          <a:xfrm flipV="1">
+            <a:off x="2893060" y="1805940"/>
+            <a:ext cx="10795" cy="1830070"/>
+          </a:xfrm>
+          <a:prstGeom prst="line">
+            <a:avLst/>
+          </a:prstGeom>
+          <a:ln w="12700" cmpd="sng">
+            <a:solidFill>
+              <a:schemeClr val="accent1">
+                <a:shade val="50000"/>
+              </a:schemeClr>
+            </a:solidFill>
+            <a:prstDash val="sysDot"/>
+          </a:ln>
+        </p:spPr>
+        <p:style>
+          <a:lnRef idx="1">
+            <a:schemeClr val="accent1"/>
+          </a:lnRef>
+          <a:fillRef idx="0">
+            <a:schemeClr val="accent1"/>
+          </a:fillRef>
+          <a:effectRef idx="0">
+            <a:schemeClr val="accent1"/>
+          </a:effectRef>
+          <a:fontRef idx="minor">
+            <a:schemeClr val="tx1"/>
+          </a:fontRef>
+        </p:style>
+      </p:cxnSp>
+      <p:cxnSp>
+        <p:nvCxnSpPr>
+          <p:cNvPr id="28" name="直接连接符 27"/>
+          <p:cNvCxnSpPr/>
+          <p:nvPr>
+            <p:custDataLst>
+              <p:tags r:id="rId8"/>
+            </p:custDataLst>
+          </p:nvPr>
+        </p:nvCxnSpPr>
+        <p:spPr>
+          <a:xfrm flipV="1">
+            <a:off x="3340100" y="1092200"/>
+            <a:ext cx="1223645" cy="18415"/>
+          </a:xfrm>
+          <a:prstGeom prst="line">
+            <a:avLst/>
+          </a:prstGeom>
+          <a:ln w="12700" cmpd="sng">
+            <a:solidFill>
+              <a:schemeClr val="accent1">
+                <a:shade val="50000"/>
+              </a:schemeClr>
+            </a:solidFill>
+            <a:prstDash val="sysDot"/>
+          </a:ln>
+        </p:spPr>
+        <p:style>
+          <a:lnRef idx="1">
+            <a:schemeClr val="accent1"/>
+          </a:lnRef>
+          <a:fillRef idx="0">
+            <a:schemeClr val="accent1"/>
+          </a:fillRef>
+          <a:effectRef idx="0">
+            <a:schemeClr val="accent1"/>
+          </a:effectRef>
+          <a:fontRef idx="minor">
+            <a:schemeClr val="tx1"/>
+          </a:fontRef>
+        </p:style>
+      </p:cxnSp>
+      <p:cxnSp>
+        <p:nvCxnSpPr>
+          <p:cNvPr id="29" name="直接连接符 28"/>
+          <p:cNvCxnSpPr/>
+          <p:nvPr>
+            <p:custDataLst>
+              <p:tags r:id="rId9"/>
+            </p:custDataLst>
+          </p:nvPr>
+        </p:nvCxnSpPr>
+        <p:spPr>
+          <a:xfrm flipV="1">
+            <a:off x="3572510" y="1071880"/>
+            <a:ext cx="32385" cy="1819910"/>
+          </a:xfrm>
+          <a:prstGeom prst="line">
+            <a:avLst/>
+          </a:prstGeom>
+          <a:ln w="12700" cmpd="sng">
+            <a:solidFill>
+              <a:schemeClr val="accent1">
+                <a:shade val="50000"/>
+              </a:schemeClr>
+            </a:solidFill>
+            <a:prstDash val="sysDot"/>
+          </a:ln>
+        </p:spPr>
+        <p:style>
+          <a:lnRef idx="1">
+            <a:schemeClr val="accent1"/>
+          </a:lnRef>
+          <a:fillRef idx="0">
+            <a:schemeClr val="accent1"/>
+          </a:fillRef>
+          <a:effectRef idx="0">
+            <a:schemeClr val="accent1"/>
+          </a:effectRef>
+          <a:fontRef idx="minor">
+            <a:schemeClr val="tx1"/>
+          </a:fontRef>
+        </p:style>
+      </p:cxnSp>
+      <p:cxnSp>
+        <p:nvCxnSpPr>
+          <p:cNvPr id="30" name="直接连接符 29"/>
+          <p:cNvCxnSpPr/>
+          <p:nvPr>
+            <p:custDataLst>
+              <p:tags r:id="rId10"/>
+            </p:custDataLst>
+          </p:nvPr>
+        </p:nvCxnSpPr>
+        <p:spPr>
+          <a:xfrm>
+            <a:off x="3052445" y="2915285"/>
+            <a:ext cx="1500505" cy="5080"/>
+          </a:xfrm>
+          <a:prstGeom prst="line">
+            <a:avLst/>
+          </a:prstGeom>
+          <a:ln w="12700" cmpd="sng">
+            <a:solidFill>
+              <a:schemeClr val="accent1">
+                <a:shade val="50000"/>
+              </a:schemeClr>
+            </a:solidFill>
+            <a:prstDash val="sysDot"/>
+          </a:ln>
+        </p:spPr>
+        <p:style>
+          <a:lnRef idx="1">
+            <a:schemeClr val="accent1"/>
+          </a:lnRef>
+          <a:fillRef idx="0">
+            <a:schemeClr val="accent1"/>
+          </a:fillRef>
+          <a:effectRef idx="0">
+            <a:schemeClr val="accent1"/>
+          </a:effectRef>
+          <a:fontRef idx="minor">
+            <a:schemeClr val="tx1"/>
+          </a:fontRef>
+        </p:style>
+      </p:cxnSp>
+      <p:cxnSp>
+        <p:nvCxnSpPr>
+          <p:cNvPr id="31" name="直接连接符 30"/>
+          <p:cNvCxnSpPr/>
+          <p:nvPr>
+            <p:custDataLst>
+              <p:tags r:id="rId11"/>
+            </p:custDataLst>
+          </p:nvPr>
+        </p:nvCxnSpPr>
+        <p:spPr>
+          <a:xfrm flipV="1">
+            <a:off x="2892425" y="1104265"/>
+            <a:ext cx="713740" cy="732155"/>
+          </a:xfrm>
+          <a:prstGeom prst="line">
+            <a:avLst/>
+          </a:prstGeom>
+          <a:ln w="12700" cmpd="sng">
+            <a:solidFill>
+              <a:schemeClr val="accent1">
+                <a:shade val="50000"/>
+              </a:schemeClr>
+            </a:solidFill>
+            <a:prstDash val="sysDot"/>
+          </a:ln>
+        </p:spPr>
+        <p:style>
+          <a:lnRef idx="1">
+            <a:schemeClr val="accent1"/>
+          </a:lnRef>
+          <a:fillRef idx="0">
+            <a:schemeClr val="accent1"/>
+          </a:fillRef>
+          <a:effectRef idx="0">
+            <a:schemeClr val="accent1"/>
+          </a:effectRef>
+          <a:fontRef idx="minor">
+            <a:schemeClr val="tx1"/>
+          </a:fontRef>
+        </p:style>
+      </p:cxnSp>
+      <p:cxnSp>
+        <p:nvCxnSpPr>
+          <p:cNvPr id="32" name="直接连接符 31"/>
+          <p:cNvCxnSpPr/>
+          <p:nvPr>
+            <p:custDataLst>
+              <p:tags r:id="rId12"/>
+            </p:custDataLst>
+          </p:nvPr>
+        </p:nvCxnSpPr>
+        <p:spPr>
+          <a:xfrm flipV="1">
+            <a:off x="2903855" y="2907030"/>
+            <a:ext cx="669925" cy="690245"/>
+          </a:xfrm>
+          <a:prstGeom prst="line">
+            <a:avLst/>
+          </a:prstGeom>
+          <a:ln w="12700" cmpd="sng">
+            <a:solidFill>
+              <a:schemeClr val="accent1">
+                <a:shade val="50000"/>
+              </a:schemeClr>
+            </a:solidFill>
+            <a:prstDash val="sysDot"/>
+          </a:ln>
+        </p:spPr>
+        <p:style>
+          <a:lnRef idx="1">
+            <a:schemeClr val="accent1"/>
+          </a:lnRef>
+          <a:fillRef idx="0">
+            <a:schemeClr val="accent1"/>
+          </a:fillRef>
+          <a:effectRef idx="0">
+            <a:schemeClr val="accent1"/>
+          </a:effectRef>
+          <a:fontRef idx="minor">
+            <a:schemeClr val="tx1"/>
+          </a:fontRef>
+        </p:style>
+      </p:cxnSp>
+      <p:sp>
+        <p:nvSpPr>
+          <p:cNvPr id="33" name="文本框 32"/>
+          <p:cNvSpPr txBox="1"/>
+          <p:nvPr/>
+        </p:nvSpPr>
+        <p:spPr>
+          <a:xfrm>
+            <a:off x="3670300" y="1585595"/>
+            <a:ext cx="527050" cy="368300"/>
+          </a:xfrm>
+          <a:prstGeom prst="rect">
+            <a:avLst/>
+          </a:prstGeom>
+          <a:noFill/>
+        </p:spPr>
+        <p:txBody>
+          <a:bodyPr wrap="square" rtlCol="0">
+            <a:spAutoFit/>
+          </a:bodyPr>
+          <a:p>
+            <a:r>
+              <a:rPr lang="en-US" altLang="zh-CN"/>
+              <a:t>M</a:t>
+            </a:r>
+            <a:endParaRPr lang="en-US" altLang="zh-CN"/>
+          </a:p>
+        </p:txBody>
+      </p:sp>
+      <p:sp>
+        <p:nvSpPr>
+          <p:cNvPr id="36" name="L 形 35"/>
+          <p:cNvSpPr/>
+          <p:nvPr/>
+        </p:nvSpPr>
+        <p:spPr>
+          <a:xfrm rot="6720000">
+            <a:off x="4434840" y="2654935"/>
+            <a:ext cx="92710" cy="78740"/>
+          </a:xfrm>
+          <a:prstGeom prst="corner">
+            <a:avLst>
+              <a:gd name="adj1" fmla="val 12702"/>
+              <a:gd name="adj2" fmla="val 18108"/>
+            </a:avLst>
+          </a:prstGeom>
+        </p:spPr>
+        <p:style>
+          <a:lnRef idx="2">
+            <a:schemeClr val="accent1">
+              <a:shade val="50000"/>
+            </a:schemeClr>
+          </a:lnRef>
+          <a:fillRef idx="1">
+            <a:schemeClr val="accent1"/>
+          </a:fillRef>
+          <a:effectRef idx="0">
+            <a:schemeClr val="accent1"/>
+          </a:effectRef>
+          <a:fontRef idx="minor">
+            <a:schemeClr val="lt1"/>
+          </a:fontRef>
+        </p:style>
+        <p:txBody>
+          <a:bodyPr rtlCol="0" anchor="ctr"/>
+          <a:p>
+            <a:pPr algn="ctr"/>
+            <a:endParaRPr lang="zh-CN" altLang="en-US"/>
+          </a:p>
+        </p:txBody>
+      </p:sp>
+      <p:sp>
+        <p:nvSpPr>
+          <p:cNvPr id="38" name="环形箭头 37"/>
+          <p:cNvSpPr/>
+          <p:nvPr/>
+        </p:nvSpPr>
+        <p:spPr>
+          <a:xfrm rot="7980000" flipH="1" flipV="1">
+            <a:off x="3858895" y="1674495"/>
+            <a:ext cx="1530985" cy="2084705"/>
+          </a:xfrm>
+          <a:prstGeom prst="circularArrow">
+            <a:avLst>
+              <a:gd name="adj1" fmla="val 4644"/>
+              <a:gd name="adj2" fmla="val 974256"/>
+              <a:gd name="adj3" fmla="val 17618067"/>
+              <a:gd name="adj4" fmla="val 14858771"/>
+              <a:gd name="adj5" fmla="val 5017"/>
+            </a:avLst>
+          </a:prstGeom>
+        </p:spPr>
+        <p:style>
+          <a:lnRef idx="2">
+            <a:schemeClr val="accent1">
+              <a:shade val="50000"/>
+            </a:schemeClr>
+          </a:lnRef>
+          <a:fillRef idx="1">
+            <a:schemeClr val="accent1"/>
+          </a:fillRef>
+          <a:effectRef idx="0">
+            <a:schemeClr val="accent1"/>
+          </a:effectRef>
+          <a:fontRef idx="minor">
+            <a:schemeClr val="lt1"/>
+          </a:fontRef>
+        </p:style>
+        <p:txBody>
+          <a:bodyPr rtlCol="0" anchor="ctr"/>
+          <a:p>
+            <a:pPr algn="ctr"/>
+            <a:endParaRPr lang="zh-CN" altLang="en-US">
+              <a:solidFill>
+                <a:schemeClr val="tx1"/>
+              </a:solidFill>
+            </a:endParaRPr>
+          </a:p>
+        </p:txBody>
+      </p:sp>
+      <p:sp>
+        <p:nvSpPr>
+          <p:cNvPr id="39" name="L 形 38"/>
+          <p:cNvSpPr/>
+          <p:nvPr/>
+        </p:nvSpPr>
+        <p:spPr>
+          <a:xfrm rot="6720000">
+            <a:off x="4257040" y="2642235"/>
+            <a:ext cx="92710" cy="78740"/>
+          </a:xfrm>
+          <a:prstGeom prst="corner">
+            <a:avLst>
+              <a:gd name="adj1" fmla="val 12702"/>
+              <a:gd name="adj2" fmla="val 18108"/>
+            </a:avLst>
+          </a:prstGeom>
+        </p:spPr>
+        <p:style>
+          <a:lnRef idx="2">
+            <a:schemeClr val="accent1">
+              <a:shade val="50000"/>
+            </a:schemeClr>
+          </a:lnRef>
+          <a:fillRef idx="1">
+            <a:schemeClr val="accent1"/>
+          </a:fillRef>
+          <a:effectRef idx="0">
+            <a:schemeClr val="accent1"/>
+          </a:effectRef>
+          <a:fontRef idx="minor">
+            <a:schemeClr val="lt1"/>
+          </a:fontRef>
+        </p:style>
+        <p:txBody>
+          <a:bodyPr rtlCol="0" anchor="ctr"/>
+          <a:p>
+            <a:pPr algn="ctr"/>
+            <a:endParaRPr lang="zh-CN" altLang="en-US"/>
+          </a:p>
+        </p:txBody>
+      </p:sp>
+    </p:spTree>
+  </p:cSld>
+  <p:clrMapOvr>
+    <a:masterClrMapping/>
+  </p:clrMapOvr>
+</p:sld>
+</file>
+
+<file path=ppt/slides/slide3.xml><?xml version="1.0" encoding="utf-8"?>
+<p:sld xmlns:a="http://schemas.openxmlformats.org/drawingml/2006/main" xmlns:r="http://schemas.openxmlformats.org/officeDocument/2006/relationships" xmlns:p="http://schemas.openxmlformats.org/presentationml/2006/main">
+  <p:cSld>
+    <p:spTree>
+      <p:nvGrpSpPr>
+        <p:cNvPr id="1" name=""/>
+        <p:cNvGrpSpPr/>
+        <p:nvPr/>
+      </p:nvGrpSpPr>
+      <p:grpSpPr/>
+      <p:sp>
+        <p:nvSpPr>
+          <p:cNvPr id="2" name="平行四边形 1"/>
+          <p:cNvSpPr/>
+          <p:nvPr/>
+        </p:nvSpPr>
+        <p:spPr>
+          <a:xfrm>
+            <a:off x="1739265" y="1851660"/>
+            <a:ext cx="5257165" cy="2229485"/>
+          </a:xfrm>
+          <a:prstGeom prst="parallelogram">
+            <a:avLst>
+              <a:gd name="adj" fmla="val 93624"/>
+            </a:avLst>
+          </a:prstGeom>
+        </p:spPr>
+        <p:style>
+          <a:lnRef idx="2">
+            <a:schemeClr val="accent3">
+              <a:shade val="50000"/>
+            </a:schemeClr>
+          </a:lnRef>
+          <a:fillRef idx="1">
+            <a:schemeClr val="accent3"/>
+          </a:fillRef>
+          <a:effectRef idx="0">
+            <a:schemeClr val="accent3"/>
+          </a:effectRef>
+          <a:fontRef idx="minor">
+            <a:schemeClr val="lt1"/>
+          </a:fontRef>
+        </p:style>
+        <p:txBody>
+          <a:bodyPr rtlCol="0" anchor="ctr"/>
+          <a:p>
+            <a:pPr algn="ctr"/>
+            <a:endParaRPr lang="zh-CN" altLang="en-US"/>
+          </a:p>
+        </p:txBody>
+      </p:sp>
+      <p:sp>
+        <p:nvSpPr>
+          <p:cNvPr id="38" name="环形箭头 37"/>
+          <p:cNvSpPr/>
+          <p:nvPr/>
+        </p:nvSpPr>
+        <p:spPr>
+          <a:xfrm rot="11280000" flipH="1" flipV="1">
+            <a:off x="3787775" y="2386965"/>
+            <a:ext cx="1530985" cy="2084705"/>
+          </a:xfrm>
+          <a:prstGeom prst="circularArrow">
+            <a:avLst>
+              <a:gd name="adj1" fmla="val 4644"/>
+              <a:gd name="adj2" fmla="val 974256"/>
+              <a:gd name="adj3" fmla="val 17618067"/>
+              <a:gd name="adj4" fmla="val 14858771"/>
+              <a:gd name="adj5" fmla="val 5017"/>
+            </a:avLst>
+          </a:prstGeom>
+        </p:spPr>
+        <p:style>
+          <a:lnRef idx="2">
+            <a:schemeClr val="accent1">
+              <a:shade val="50000"/>
+            </a:schemeClr>
+          </a:lnRef>
+          <a:fillRef idx="1">
+            <a:schemeClr val="accent1"/>
+          </a:fillRef>
+          <a:effectRef idx="0">
+            <a:schemeClr val="accent1"/>
+          </a:effectRef>
+          <a:fontRef idx="minor">
+            <a:schemeClr val="lt1"/>
+          </a:fontRef>
+        </p:style>
+        <p:txBody>
+          <a:bodyPr rtlCol="0" anchor="ctr"/>
+          <a:p>
+            <a:pPr algn="ctr"/>
+            <a:endParaRPr lang="zh-CN" altLang="en-US">
+              <a:solidFill>
+                <a:schemeClr val="tx1"/>
+              </a:solidFill>
+            </a:endParaRPr>
+          </a:p>
+        </p:txBody>
+      </p:sp>
+      <p:cxnSp>
+        <p:nvCxnSpPr>
+          <p:cNvPr id="4" name="直接箭头连接符 3"/>
+          <p:cNvCxnSpPr/>
+          <p:nvPr/>
+        </p:nvCxnSpPr>
+        <p:spPr>
+          <a:xfrm flipV="1">
+            <a:off x="4552950" y="761365"/>
+            <a:ext cx="0" cy="2148840"/>
+          </a:xfrm>
+          <a:prstGeom prst="straightConnector1">
+            <a:avLst/>
+          </a:prstGeom>
+          <a:ln>
+            <a:tailEnd type="arrow"/>
+          </a:ln>
+        </p:spPr>
+        <p:style>
+          <a:lnRef idx="1">
+            <a:schemeClr val="accent1"/>
+          </a:lnRef>
+          <a:fillRef idx="0">
+            <a:schemeClr val="accent1"/>
+          </a:fillRef>
+          <a:effectRef idx="0">
+            <a:schemeClr val="accent1"/>
+          </a:effectRef>
+          <a:fontRef idx="minor">
+            <a:schemeClr val="tx1"/>
+          </a:fontRef>
+        </p:style>
+      </p:cxnSp>
+      <p:cxnSp>
+        <p:nvCxnSpPr>
+          <p:cNvPr id="5" name="直接箭头连接符 4"/>
+          <p:cNvCxnSpPr/>
+          <p:nvPr>
+            <p:custDataLst>
+              <p:tags r:id="rId1"/>
+            </p:custDataLst>
+          </p:nvPr>
+        </p:nvCxnSpPr>
+        <p:spPr>
+          <a:xfrm>
+            <a:off x="2882900" y="2906395"/>
+            <a:ext cx="3830320" cy="11430"/>
+          </a:xfrm>
+          <a:prstGeom prst="straightConnector1">
+            <a:avLst/>
+          </a:prstGeom>
+          <a:ln>
+            <a:tailEnd type="arrow" w="med" len="med"/>
+          </a:ln>
+        </p:spPr>
+        <p:style>
+          <a:lnRef idx="1">
+            <a:schemeClr val="accent2"/>
+          </a:lnRef>
+          <a:fillRef idx="0">
+            <a:schemeClr val="accent2"/>
+          </a:fillRef>
+          <a:effectRef idx="0">
+            <a:schemeClr val="accent2"/>
+          </a:effectRef>
+          <a:fontRef idx="minor">
+            <a:schemeClr val="tx1"/>
+          </a:fontRef>
+        </p:style>
+      </p:cxnSp>
+      <p:cxnSp>
+        <p:nvCxnSpPr>
+          <p:cNvPr id="6" name="直接箭头连接符 5"/>
+          <p:cNvCxnSpPr/>
+          <p:nvPr>
+            <p:custDataLst>
+              <p:tags r:id="rId2"/>
+            </p:custDataLst>
+          </p:nvPr>
+        </p:nvCxnSpPr>
+        <p:spPr>
+          <a:xfrm flipH="1">
+            <a:off x="3202305" y="2055495"/>
+            <a:ext cx="2163445" cy="2272665"/>
+          </a:xfrm>
+          <a:prstGeom prst="straightConnector1">
+            <a:avLst/>
+          </a:prstGeom>
+          <a:ln>
+            <a:tailEnd type="arrow" w="med" len="med"/>
+          </a:ln>
+        </p:spPr>
+        <p:style>
+          <a:lnRef idx="1">
+            <a:schemeClr val="accent4"/>
+          </a:lnRef>
+          <a:fillRef idx="0">
+            <a:schemeClr val="accent4"/>
+          </a:fillRef>
+          <a:effectRef idx="0">
+            <a:schemeClr val="accent4"/>
+          </a:effectRef>
+          <a:fontRef idx="minor">
+            <a:schemeClr val="tx1"/>
+          </a:fontRef>
+        </p:style>
+      </p:cxnSp>
+      <p:sp>
+        <p:nvSpPr>
+          <p:cNvPr id="7" name="文本框 6"/>
+          <p:cNvSpPr txBox="1"/>
+          <p:nvPr/>
+        </p:nvSpPr>
+        <p:spPr>
+          <a:xfrm>
+            <a:off x="4691380" y="518795"/>
+            <a:ext cx="467995" cy="368300"/>
+          </a:xfrm>
+          <a:prstGeom prst="rect">
+            <a:avLst/>
+          </a:prstGeom>
+          <a:noFill/>
+        </p:spPr>
+        <p:txBody>
+          <a:bodyPr wrap="square" rtlCol="0">
+            <a:spAutoFit/>
+          </a:bodyPr>
+          <a:p>
+            <a:r>
+              <a:rPr lang="en-US" altLang="zh-CN"/>
+              <a:t>X</a:t>
+            </a:r>
+            <a:endParaRPr lang="en-US" altLang="zh-CN"/>
+          </a:p>
+        </p:txBody>
+      </p:sp>
+      <p:sp>
+        <p:nvSpPr>
+          <p:cNvPr id="8" name="文本框 7"/>
+          <p:cNvSpPr txBox="1"/>
+          <p:nvPr>
+            <p:custDataLst>
+              <p:tags r:id="rId3"/>
+            </p:custDataLst>
+          </p:nvPr>
+        </p:nvSpPr>
+        <p:spPr>
+          <a:xfrm>
+            <a:off x="6713220" y="2917825"/>
+            <a:ext cx="467995" cy="368300"/>
+          </a:xfrm>
+          <a:prstGeom prst="rect">
+            <a:avLst/>
+          </a:prstGeom>
+          <a:noFill/>
+        </p:spPr>
+        <p:txBody>
+          <a:bodyPr wrap="square" rtlCol="0">
+            <a:spAutoFit/>
+          </a:bodyPr>
+          <a:p>
+            <a:r>
+              <a:rPr lang="en-US" altLang="zh-CN"/>
+              <a:t>Y</a:t>
+            </a:r>
+            <a:endParaRPr lang="en-US" altLang="zh-CN"/>
+          </a:p>
+        </p:txBody>
+      </p:sp>
+      <p:sp>
+        <p:nvSpPr>
+          <p:cNvPr id="9" name="文本框 8"/>
+          <p:cNvSpPr txBox="1"/>
+          <p:nvPr>
+            <p:custDataLst>
+              <p:tags r:id="rId4"/>
+            </p:custDataLst>
+          </p:nvPr>
+        </p:nvSpPr>
+        <p:spPr>
+          <a:xfrm>
+            <a:off x="3202305" y="4328160"/>
+            <a:ext cx="467995" cy="368300"/>
+          </a:xfrm>
+          <a:prstGeom prst="rect">
+            <a:avLst/>
+          </a:prstGeom>
+          <a:noFill/>
+        </p:spPr>
+        <p:txBody>
+          <a:bodyPr wrap="square" rtlCol="0">
+            <a:spAutoFit/>
+          </a:bodyPr>
+          <a:p>
+            <a:r>
+              <a:rPr lang="en-US" altLang="zh-CN"/>
+              <a:t>Z</a:t>
+            </a:r>
+            <a:endParaRPr lang="en-US" altLang="zh-CN"/>
+          </a:p>
+        </p:txBody>
+      </p:sp>
+      <p:cxnSp>
+        <p:nvCxnSpPr>
+          <p:cNvPr id="3" name="直接箭头连接符 2"/>
+          <p:cNvCxnSpPr/>
+          <p:nvPr/>
+        </p:nvCxnSpPr>
+        <p:spPr>
+          <a:xfrm flipH="1" flipV="1">
+            <a:off x="3835400" y="1953895"/>
+            <a:ext cx="698500" cy="933450"/>
+          </a:xfrm>
+          <a:prstGeom prst="straightConnector1">
+            <a:avLst/>
+          </a:prstGeom>
+          <a:ln>
+            <a:tailEnd type="arrow" w="med" len="med"/>
+          </a:ln>
+        </p:spPr>
+        <p:style>
+          <a:lnRef idx="3">
+            <a:schemeClr val="accent6"/>
+          </a:lnRef>
+          <a:fillRef idx="0">
+            <a:schemeClr val="accent6"/>
+          </a:fillRef>
+          <a:effectRef idx="2">
+            <a:schemeClr val="accent6"/>
+          </a:effectRef>
+          <a:fontRef idx="minor">
+            <a:schemeClr val="tx1"/>
+          </a:fontRef>
+        </p:style>
+      </p:cxnSp>
+      <p:cxnSp>
+        <p:nvCxnSpPr>
+          <p:cNvPr id="30" name="直接连接符 29"/>
+          <p:cNvCxnSpPr/>
+          <p:nvPr>
+            <p:custDataLst>
+              <p:tags r:id="rId5"/>
+            </p:custDataLst>
+          </p:nvPr>
+        </p:nvCxnSpPr>
+        <p:spPr>
+          <a:xfrm>
+            <a:off x="3052445" y="2915285"/>
+            <a:ext cx="1500505" cy="5080"/>
+          </a:xfrm>
+          <a:prstGeom prst="line">
+            <a:avLst/>
+          </a:prstGeom>
+          <a:ln w="12700" cmpd="sng">
+            <a:solidFill>
+              <a:schemeClr val="accent1">
+                <a:shade val="50000"/>
+              </a:schemeClr>
+            </a:solidFill>
+            <a:prstDash val="sysDot"/>
+          </a:ln>
+        </p:spPr>
+        <p:style>
+          <a:lnRef idx="1">
+            <a:schemeClr val="accent1"/>
+          </a:lnRef>
+          <a:fillRef idx="0">
+            <a:schemeClr val="accent1"/>
+          </a:fillRef>
+          <a:effectRef idx="0">
+            <a:schemeClr val="accent1"/>
+          </a:effectRef>
+          <a:fontRef idx="minor">
+            <a:schemeClr val="tx1"/>
+          </a:fontRef>
+        </p:style>
+      </p:cxnSp>
+      <p:sp>
+        <p:nvSpPr>
+          <p:cNvPr id="33" name="文本框 32"/>
+          <p:cNvSpPr txBox="1"/>
+          <p:nvPr/>
+        </p:nvSpPr>
+        <p:spPr>
+          <a:xfrm>
+            <a:off x="3670300" y="1585595"/>
+            <a:ext cx="527050" cy="368300"/>
+          </a:xfrm>
+          <a:prstGeom prst="rect">
+            <a:avLst/>
+          </a:prstGeom>
+          <a:noFill/>
+        </p:spPr>
+        <p:txBody>
+          <a:bodyPr wrap="square" rtlCol="0">
+            <a:spAutoFit/>
+          </a:bodyPr>
+          <a:p>
+            <a:r>
+              <a:rPr lang="en-US" altLang="zh-CN"/>
+              <a:t>M</a:t>
+            </a:r>
+            <a:endParaRPr lang="en-US" altLang="zh-CN"/>
+          </a:p>
+        </p:txBody>
+      </p:sp>
+      <p:sp>
+        <p:nvSpPr>
+          <p:cNvPr id="12" name="文本框 11"/>
+          <p:cNvSpPr txBox="1"/>
+          <p:nvPr/>
+        </p:nvSpPr>
+        <p:spPr>
+          <a:xfrm>
+            <a:off x="4984750" y="2290445"/>
+            <a:ext cx="467995" cy="368300"/>
+          </a:xfrm>
+          <a:prstGeom prst="rect">
+            <a:avLst/>
+          </a:prstGeom>
+          <a:noFill/>
+        </p:spPr>
+        <p:txBody>
+          <a:bodyPr wrap="square" rtlCol="0">
+            <a:spAutoFit/>
+          </a:bodyPr>
+          <a:p>
+            <a:r>
+              <a:rPr lang="en-US" altLang="zh-CN">
+                <a:latin typeface="微软雅黑" panose="020B0503020204020204" charset="-122"/>
+                <a:ea typeface="微软雅黑" panose="020B0503020204020204" charset="-122"/>
+              </a:rPr>
+              <a:t>γ</a:t>
+            </a:r>
+            <a:endParaRPr lang="en-US" altLang="zh-CN">
+              <a:latin typeface="微软雅黑" panose="020B0503020204020204" charset="-122"/>
+              <a:ea typeface="微软雅黑" panose="020B0503020204020204" charset="-122"/>
+            </a:endParaRPr>
+          </a:p>
+        </p:txBody>
+      </p:sp>
+    </p:spTree>
+  </p:cSld>
+  <p:clrMapOvr>
+    <a:masterClrMapping/>
+  </p:clrMapOvr>
+</p:sld>
+</file>
+
+<file path=ppt/slides/slide4.xml><?xml version="1.0" encoding="utf-8"?>
+<p:sld xmlns:a="http://schemas.openxmlformats.org/drawingml/2006/main" xmlns:r="http://schemas.openxmlformats.org/officeDocument/2006/relationships" xmlns:p="http://schemas.openxmlformats.org/presentationml/2006/main">
+  <p:cSld>
+    <p:spTree>
+      <p:nvGrpSpPr>
+        <p:cNvPr id="1" name=""/>
+        <p:cNvGrpSpPr/>
+        <p:nvPr/>
+      </p:nvGrpSpPr>
+      <p:grpSpPr/>
+      <p:cxnSp>
+        <p:nvCxnSpPr>
+          <p:cNvPr id="5" name="直接箭头连接符 4"/>
+          <p:cNvCxnSpPr/>
+          <p:nvPr>
+            <p:custDataLst>
+              <p:tags r:id="rId1"/>
+            </p:custDataLst>
+          </p:nvPr>
+        </p:nvCxnSpPr>
+        <p:spPr>
+          <a:xfrm>
+            <a:off x="2882900" y="2906395"/>
+            <a:ext cx="3830320" cy="11430"/>
+          </a:xfrm>
+          <a:prstGeom prst="straightConnector1">
+            <a:avLst/>
+          </a:prstGeom>
+          <a:ln>
+            <a:tailEnd type="arrow" w="med" len="med"/>
+          </a:ln>
+        </p:spPr>
+        <p:style>
+          <a:lnRef idx="1">
+            <a:schemeClr val="accent2"/>
+          </a:lnRef>
+          <a:fillRef idx="0">
+            <a:schemeClr val="accent2"/>
+          </a:fillRef>
+          <a:effectRef idx="0">
+            <a:schemeClr val="accent2"/>
+          </a:effectRef>
+          <a:fontRef idx="minor">
+            <a:schemeClr val="tx1"/>
+          </a:fontRef>
+        </p:style>
+      </p:cxnSp>
+      <p:cxnSp>
+        <p:nvCxnSpPr>
+          <p:cNvPr id="6" name="直接箭头连接符 5"/>
+          <p:cNvCxnSpPr/>
+          <p:nvPr>
+            <p:custDataLst>
+              <p:tags r:id="rId2"/>
+            </p:custDataLst>
+          </p:nvPr>
+        </p:nvCxnSpPr>
+        <p:spPr>
+          <a:xfrm flipH="1" flipV="1">
+            <a:off x="4552950" y="1068705"/>
+            <a:ext cx="12700" cy="2863850"/>
+          </a:xfrm>
+          <a:prstGeom prst="straightConnector1">
+            <a:avLst/>
+          </a:prstGeom>
+          <a:ln>
+            <a:tailEnd type="arrow" w="med" len="med"/>
+          </a:ln>
+        </p:spPr>
+        <p:style>
+          <a:lnRef idx="1">
+            <a:schemeClr val="accent4"/>
+          </a:lnRef>
+          <a:fillRef idx="0">
+            <a:schemeClr val="accent4"/>
+          </a:fillRef>
+          <a:effectRef idx="0">
+            <a:schemeClr val="accent4"/>
+          </a:effectRef>
+          <a:fontRef idx="minor">
+            <a:schemeClr val="tx1"/>
+          </a:fontRef>
+        </p:style>
+      </p:cxnSp>
+      <p:sp>
+        <p:nvSpPr>
+          <p:cNvPr id="7" name="文本框 6"/>
+          <p:cNvSpPr txBox="1"/>
+          <p:nvPr/>
+        </p:nvSpPr>
+        <p:spPr>
+          <a:xfrm>
+            <a:off x="4584700" y="772795"/>
+            <a:ext cx="467995" cy="368300"/>
+          </a:xfrm>
+          <a:prstGeom prst="rect">
+            <a:avLst/>
+          </a:prstGeom>
+          <a:noFill/>
+        </p:spPr>
+        <p:txBody>
+          <a:bodyPr wrap="square" rtlCol="0">
+            <a:spAutoFit/>
+          </a:bodyPr>
+          <a:p>
+            <a:r>
+              <a:rPr lang="en-US" altLang="zh-CN"/>
+              <a:t>Z</a:t>
+            </a:r>
+            <a:endParaRPr lang="en-US" altLang="zh-CN"/>
+          </a:p>
+        </p:txBody>
+      </p:sp>
+      <p:sp>
+        <p:nvSpPr>
+          <p:cNvPr id="8" name="文本框 7"/>
+          <p:cNvSpPr txBox="1"/>
+          <p:nvPr>
+            <p:custDataLst>
+              <p:tags r:id="rId3"/>
+            </p:custDataLst>
+          </p:nvPr>
+        </p:nvSpPr>
+        <p:spPr>
+          <a:xfrm>
+            <a:off x="6713220" y="2917825"/>
+            <a:ext cx="467995" cy="368300"/>
+          </a:xfrm>
+          <a:prstGeom prst="rect">
+            <a:avLst/>
+          </a:prstGeom>
+          <a:noFill/>
+        </p:spPr>
+        <p:txBody>
+          <a:bodyPr wrap="square" rtlCol="0">
+            <a:spAutoFit/>
+          </a:bodyPr>
+          <a:p>
+            <a:r>
+              <a:rPr lang="en-US" altLang="zh-CN"/>
+              <a:t>Y</a:t>
+            </a:r>
+            <a:endParaRPr lang="en-US" altLang="zh-CN"/>
+          </a:p>
+        </p:txBody>
+      </p:sp>
+      <p:cxnSp>
+        <p:nvCxnSpPr>
+          <p:cNvPr id="3" name="直接箭头连接符 2"/>
+          <p:cNvCxnSpPr/>
+          <p:nvPr/>
+        </p:nvCxnSpPr>
+        <p:spPr>
+          <a:xfrm flipV="1">
+            <a:off x="4559300" y="1976755"/>
+            <a:ext cx="1168400" cy="929640"/>
+          </a:xfrm>
+          <a:prstGeom prst="straightConnector1">
+            <a:avLst/>
+          </a:prstGeom>
+          <a:ln>
+            <a:tailEnd type="arrow" w="med" len="med"/>
+          </a:ln>
+        </p:spPr>
+        <p:style>
+          <a:lnRef idx="3">
+            <a:schemeClr val="accent6"/>
+          </a:lnRef>
+          <a:fillRef idx="0">
+            <a:schemeClr val="accent6"/>
+          </a:fillRef>
+          <a:effectRef idx="2">
+            <a:schemeClr val="accent6"/>
+          </a:effectRef>
+          <a:fontRef idx="minor">
+            <a:schemeClr val="tx1"/>
+          </a:fontRef>
+        </p:style>
+      </p:cxnSp>
+      <p:cxnSp>
+        <p:nvCxnSpPr>
+          <p:cNvPr id="30" name="直接连接符 29"/>
+          <p:cNvCxnSpPr/>
+          <p:nvPr>
+            <p:custDataLst>
+              <p:tags r:id="rId4"/>
+            </p:custDataLst>
+          </p:nvPr>
+        </p:nvCxnSpPr>
+        <p:spPr>
+          <a:xfrm>
+            <a:off x="4578350" y="1976755"/>
+            <a:ext cx="1073150" cy="5080"/>
+          </a:xfrm>
+          <a:prstGeom prst="line">
+            <a:avLst/>
+          </a:prstGeom>
+          <a:ln w="12700" cmpd="sng">
+            <a:solidFill>
+              <a:schemeClr val="accent1">
+                <a:shade val="50000"/>
+              </a:schemeClr>
+            </a:solidFill>
+            <a:prstDash val="sysDot"/>
+          </a:ln>
+        </p:spPr>
+        <p:style>
+          <a:lnRef idx="1">
+            <a:schemeClr val="accent1"/>
+          </a:lnRef>
+          <a:fillRef idx="0">
+            <a:schemeClr val="accent1"/>
+          </a:fillRef>
+          <a:effectRef idx="0">
+            <a:schemeClr val="accent1"/>
+          </a:effectRef>
+          <a:fontRef idx="minor">
+            <a:schemeClr val="tx1"/>
+          </a:fontRef>
+        </p:style>
+      </p:cxnSp>
+      <p:sp>
+        <p:nvSpPr>
+          <p:cNvPr id="33" name="文本框 32"/>
+          <p:cNvSpPr txBox="1"/>
+          <p:nvPr/>
+        </p:nvSpPr>
+        <p:spPr>
+          <a:xfrm>
+            <a:off x="5727700" y="1649095"/>
+            <a:ext cx="527050" cy="368300"/>
+          </a:xfrm>
+          <a:prstGeom prst="rect">
+            <a:avLst/>
+          </a:prstGeom>
+          <a:noFill/>
+        </p:spPr>
+        <p:txBody>
+          <a:bodyPr wrap="square" rtlCol="0">
+            <a:spAutoFit/>
+          </a:bodyPr>
+          <a:p>
+            <a:r>
+              <a:rPr lang="en-US" altLang="zh-CN"/>
+              <a:t>M</a:t>
+            </a:r>
+            <a:endParaRPr lang="en-US" altLang="zh-CN"/>
+          </a:p>
+        </p:txBody>
+      </p:sp>
+      <p:sp>
+        <p:nvSpPr>
+          <p:cNvPr id="10" name="文本框 9"/>
+          <p:cNvSpPr txBox="1"/>
+          <p:nvPr/>
+        </p:nvSpPr>
+        <p:spPr>
+          <a:xfrm>
+            <a:off x="4057650" y="1731645"/>
+            <a:ext cx="527050" cy="368300"/>
+          </a:xfrm>
+          <a:prstGeom prst="rect">
+            <a:avLst/>
+          </a:prstGeom>
+          <a:noFill/>
+        </p:spPr>
+        <p:txBody>
+          <a:bodyPr wrap="square" rtlCol="0">
+            <a:spAutoFit/>
+          </a:bodyPr>
+          <a:p>
+            <a:r>
+              <a:rPr lang="en-US" altLang="zh-CN"/>
+              <a:t>Mz</a:t>
+            </a:r>
+            <a:endParaRPr lang="en-US" altLang="zh-CN"/>
+          </a:p>
+        </p:txBody>
+      </p:sp>
+      <p:sp>
+        <p:nvSpPr>
+          <p:cNvPr id="11" name="文本框 10"/>
+          <p:cNvSpPr txBox="1"/>
+          <p:nvPr/>
+        </p:nvSpPr>
+        <p:spPr>
+          <a:xfrm>
+            <a:off x="5375910" y="2969895"/>
+            <a:ext cx="527050" cy="368300"/>
+          </a:xfrm>
+          <a:prstGeom prst="rect">
+            <a:avLst/>
+          </a:prstGeom>
+          <a:noFill/>
+        </p:spPr>
+        <p:txBody>
+          <a:bodyPr wrap="square" rtlCol="0">
+            <a:spAutoFit/>
+          </a:bodyPr>
+          <a:p>
+            <a:r>
+              <a:rPr lang="en-US" altLang="zh-CN"/>
+              <a:t>My</a:t>
+            </a:r>
+            <a:endParaRPr lang="en-US" altLang="zh-CN"/>
+          </a:p>
+        </p:txBody>
+      </p:sp>
+      <p:cxnSp>
+        <p:nvCxnSpPr>
+          <p:cNvPr id="13" name="直接连接符 12"/>
+          <p:cNvCxnSpPr/>
+          <p:nvPr>
+            <p:custDataLst>
+              <p:tags r:id="rId5"/>
+            </p:custDataLst>
+          </p:nvPr>
+        </p:nvCxnSpPr>
+        <p:spPr>
+          <a:xfrm>
+            <a:off x="5695950" y="2008505"/>
+            <a:ext cx="0" cy="895350"/>
+          </a:xfrm>
+          <a:prstGeom prst="line">
+            <a:avLst/>
+          </a:prstGeom>
+          <a:ln w="12700" cmpd="sng">
+            <a:solidFill>
+              <a:schemeClr val="accent1">
+                <a:shade val="50000"/>
+              </a:schemeClr>
+            </a:solidFill>
+            <a:prstDash val="sysDot"/>
+          </a:ln>
+        </p:spPr>
+        <p:style>
+          <a:lnRef idx="1">
+            <a:schemeClr val="accent1"/>
+          </a:lnRef>
+          <a:fillRef idx="0">
+            <a:schemeClr val="accent1"/>
+          </a:fillRef>
+          <a:effectRef idx="0">
+            <a:schemeClr val="accent1"/>
+          </a:effectRef>
+          <a:fontRef idx="minor">
+            <a:schemeClr val="tx1"/>
+          </a:fontRef>
+        </p:style>
+      </p:cxnSp>
+      <p:sp>
+        <p:nvSpPr>
+          <p:cNvPr id="14" name="文本框 13"/>
+          <p:cNvSpPr txBox="1"/>
+          <p:nvPr/>
+        </p:nvSpPr>
+        <p:spPr>
+          <a:xfrm>
+            <a:off x="4826000" y="2538095"/>
+            <a:ext cx="467995" cy="368300"/>
+          </a:xfrm>
+          <a:prstGeom prst="rect">
+            <a:avLst/>
+          </a:prstGeom>
+          <a:noFill/>
+        </p:spPr>
+        <p:txBody>
+          <a:bodyPr wrap="square" rtlCol="0">
+            <a:spAutoFit/>
+          </a:bodyPr>
+          <a:p>
+            <a:r>
+              <a:rPr lang="en-US" altLang="zh-CN">
+                <a:latin typeface="微软雅黑" panose="020B0503020204020204" charset="-122"/>
+                <a:ea typeface="微软雅黑" panose="020B0503020204020204" charset="-122"/>
+              </a:rPr>
+              <a:t>γ</a:t>
+            </a:r>
+            <a:endParaRPr lang="en-US" altLang="zh-CN">
+              <a:latin typeface="微软雅黑" panose="020B0503020204020204" charset="-122"/>
+              <a:ea typeface="微软雅黑" panose="020B0503020204020204" charset="-122"/>
+            </a:endParaRPr>
+          </a:p>
+        </p:txBody>
+      </p:sp>
+      <p:sp>
+        <p:nvSpPr>
+          <p:cNvPr id="15" name="弧形 14"/>
+          <p:cNvSpPr/>
+          <p:nvPr/>
+        </p:nvSpPr>
+        <p:spPr>
+          <a:xfrm rot="1080000">
+            <a:off x="4622800" y="2732405"/>
+            <a:ext cx="266700" cy="285115"/>
+          </a:xfrm>
+          <a:prstGeom prst="arc">
+            <a:avLst/>
+          </a:prstGeom>
+        </p:spPr>
+        <p:style>
+          <a:lnRef idx="1">
+            <a:schemeClr val="accent1"/>
+          </a:lnRef>
+          <a:fillRef idx="0">
+            <a:schemeClr val="accent1"/>
+          </a:fillRef>
+          <a:effectRef idx="0">
+            <a:schemeClr val="accent1"/>
+          </a:effectRef>
+          <a:fontRef idx="minor">
+            <a:schemeClr val="tx1"/>
+          </a:fontRef>
+        </p:style>
+        <p:txBody>
+          <a:bodyPr rtlCol="0" anchor="ctr"/>
+          <a:p>
+            <a:pPr algn="ctr"/>
+            <a:endParaRPr lang="zh-CN" altLang="en-US"/>
+          </a:p>
+        </p:txBody>
+      </p:sp>
+    </p:spTree>
+  </p:cSld>
+  <p:clrMapOvr>
+    <a:masterClrMapping/>
+  </p:clrMapOvr>
+</p:sld>
+</file>
+
+<file path=ppt/slides/slide5.xml><?xml version="1.0" encoding="utf-8"?>
+<p:sld xmlns:a="http://schemas.openxmlformats.org/drawingml/2006/main" xmlns:r="http://schemas.openxmlformats.org/officeDocument/2006/relationships" xmlns:p="http://schemas.openxmlformats.org/presentationml/2006/main">
+  <p:cSld>
+    <p:spTree>
+      <p:nvGrpSpPr>
+        <p:cNvPr id="1" name=""/>
+        <p:cNvGrpSpPr/>
+        <p:nvPr/>
+      </p:nvGrpSpPr>
+      <p:grpSpPr/>
+      <p:cxnSp>
+        <p:nvCxnSpPr>
+          <p:cNvPr id="5" name="直接箭头连接符 4"/>
+          <p:cNvCxnSpPr/>
+          <p:nvPr>
+            <p:custDataLst>
+              <p:tags r:id="rId1"/>
+            </p:custDataLst>
+          </p:nvPr>
+        </p:nvCxnSpPr>
+        <p:spPr>
+          <a:xfrm>
+            <a:off x="2882900" y="2906395"/>
+            <a:ext cx="3830320" cy="11430"/>
+          </a:xfrm>
+          <a:prstGeom prst="straightConnector1">
+            <a:avLst/>
+          </a:prstGeom>
+          <a:ln>
+            <a:tailEnd type="arrow" w="med" len="med"/>
+          </a:ln>
+        </p:spPr>
+        <p:style>
+          <a:lnRef idx="1">
+            <a:schemeClr val="accent2"/>
+          </a:lnRef>
+          <a:fillRef idx="0">
+            <a:schemeClr val="accent2"/>
+          </a:fillRef>
+          <a:effectRef idx="0">
+            <a:schemeClr val="accent2"/>
+          </a:effectRef>
+          <a:fontRef idx="minor">
+            <a:schemeClr val="tx1"/>
+          </a:fontRef>
+        </p:style>
+      </p:cxnSp>
+      <p:cxnSp>
+        <p:nvCxnSpPr>
+          <p:cNvPr id="6" name="直接箭头连接符 5"/>
+          <p:cNvCxnSpPr/>
+          <p:nvPr>
+            <p:custDataLst>
+              <p:tags r:id="rId2"/>
+            </p:custDataLst>
+          </p:nvPr>
+        </p:nvCxnSpPr>
+        <p:spPr>
+          <a:xfrm flipH="1" flipV="1">
+            <a:off x="4552950" y="1068705"/>
+            <a:ext cx="12700" cy="2863850"/>
+          </a:xfrm>
+          <a:prstGeom prst="straightConnector1">
+            <a:avLst/>
+          </a:prstGeom>
+          <a:ln>
+            <a:tailEnd type="arrow" w="med" len="med"/>
+          </a:ln>
+        </p:spPr>
+        <p:style>
+          <a:lnRef idx="1">
+            <a:schemeClr val="accent4"/>
+          </a:lnRef>
+          <a:fillRef idx="0">
+            <a:schemeClr val="accent4"/>
+          </a:fillRef>
+          <a:effectRef idx="0">
+            <a:schemeClr val="accent4"/>
+          </a:effectRef>
+          <a:fontRef idx="minor">
+            <a:schemeClr val="tx1"/>
+          </a:fontRef>
+        </p:style>
+      </p:cxnSp>
+      <p:sp>
+        <p:nvSpPr>
+          <p:cNvPr id="7" name="文本框 6"/>
+          <p:cNvSpPr txBox="1"/>
+          <p:nvPr/>
+        </p:nvSpPr>
+        <p:spPr>
+          <a:xfrm>
+            <a:off x="4584700" y="772795"/>
+            <a:ext cx="467995" cy="368300"/>
+          </a:xfrm>
+          <a:prstGeom prst="rect">
+            <a:avLst/>
+          </a:prstGeom>
+          <a:noFill/>
+        </p:spPr>
+        <p:txBody>
+          <a:bodyPr wrap="square" rtlCol="0">
+            <a:spAutoFit/>
+          </a:bodyPr>
+          <a:p>
+            <a:r>
+              <a:rPr lang="en-US" altLang="zh-CN"/>
+              <a:t>X</a:t>
+            </a:r>
+            <a:endParaRPr lang="en-US" altLang="zh-CN"/>
+          </a:p>
+        </p:txBody>
+      </p:sp>
+      <p:sp>
+        <p:nvSpPr>
+          <p:cNvPr id="8" name="文本框 7"/>
+          <p:cNvSpPr txBox="1"/>
+          <p:nvPr>
+            <p:custDataLst>
+              <p:tags r:id="rId3"/>
+            </p:custDataLst>
+          </p:nvPr>
+        </p:nvSpPr>
+        <p:spPr>
+          <a:xfrm>
+            <a:off x="6713220" y="2917825"/>
+            <a:ext cx="467995" cy="368300"/>
+          </a:xfrm>
+          <a:prstGeom prst="rect">
+            <a:avLst/>
+          </a:prstGeom>
+          <a:noFill/>
+        </p:spPr>
+        <p:txBody>
+          <a:bodyPr wrap="square" rtlCol="0">
+            <a:spAutoFit/>
+          </a:bodyPr>
+          <a:p>
+            <a:r>
+              <a:rPr lang="en-US" altLang="zh-CN"/>
+              <a:t>Z</a:t>
+            </a:r>
+            <a:endParaRPr lang="en-US" altLang="zh-CN"/>
+          </a:p>
+        </p:txBody>
+      </p:sp>
+      <p:cxnSp>
+        <p:nvCxnSpPr>
+          <p:cNvPr id="3" name="直接箭头连接符 2"/>
+          <p:cNvCxnSpPr/>
+          <p:nvPr/>
+        </p:nvCxnSpPr>
+        <p:spPr>
+          <a:xfrm flipV="1">
+            <a:off x="4559300" y="1976755"/>
+            <a:ext cx="1168400" cy="929640"/>
+          </a:xfrm>
+          <a:prstGeom prst="straightConnector1">
+            <a:avLst/>
+          </a:prstGeom>
+          <a:ln>
+            <a:tailEnd type="arrow" w="med" len="med"/>
+          </a:ln>
+        </p:spPr>
+        <p:style>
+          <a:lnRef idx="3">
+            <a:schemeClr val="accent6"/>
+          </a:lnRef>
+          <a:fillRef idx="0">
+            <a:schemeClr val="accent6"/>
+          </a:fillRef>
+          <a:effectRef idx="2">
+            <a:schemeClr val="accent6"/>
+          </a:effectRef>
+          <a:fontRef idx="minor">
+            <a:schemeClr val="tx1"/>
+          </a:fontRef>
+        </p:style>
+      </p:cxnSp>
+      <p:cxnSp>
+        <p:nvCxnSpPr>
+          <p:cNvPr id="30" name="直接连接符 29"/>
+          <p:cNvCxnSpPr/>
+          <p:nvPr>
+            <p:custDataLst>
+              <p:tags r:id="rId4"/>
+            </p:custDataLst>
+          </p:nvPr>
+        </p:nvCxnSpPr>
+        <p:spPr>
+          <a:xfrm>
+            <a:off x="4578350" y="1976755"/>
+            <a:ext cx="1073150" cy="5080"/>
+          </a:xfrm>
+          <a:prstGeom prst="line">
+            <a:avLst/>
+          </a:prstGeom>
+          <a:ln w="12700" cmpd="sng">
+            <a:solidFill>
+              <a:schemeClr val="accent1">
+                <a:shade val="50000"/>
+              </a:schemeClr>
+            </a:solidFill>
+            <a:prstDash val="sysDot"/>
+          </a:ln>
+        </p:spPr>
+        <p:style>
+          <a:lnRef idx="1">
+            <a:schemeClr val="accent1"/>
+          </a:lnRef>
+          <a:fillRef idx="0">
+            <a:schemeClr val="accent1"/>
+          </a:fillRef>
+          <a:effectRef idx="0">
+            <a:schemeClr val="accent1"/>
+          </a:effectRef>
+          <a:fontRef idx="minor">
+            <a:schemeClr val="tx1"/>
+          </a:fontRef>
+        </p:style>
+      </p:cxnSp>
+      <p:sp>
+        <p:nvSpPr>
+          <p:cNvPr id="33" name="文本框 32"/>
+          <p:cNvSpPr txBox="1"/>
+          <p:nvPr/>
+        </p:nvSpPr>
+        <p:spPr>
+          <a:xfrm>
+            <a:off x="5727700" y="1649095"/>
+            <a:ext cx="527050" cy="368300"/>
+          </a:xfrm>
+          <a:prstGeom prst="rect">
+            <a:avLst/>
+          </a:prstGeom>
+          <a:noFill/>
+        </p:spPr>
+        <p:txBody>
+          <a:bodyPr wrap="square" rtlCol="0">
+            <a:spAutoFit/>
+          </a:bodyPr>
+          <a:p>
+            <a:r>
+              <a:rPr lang="en-US" altLang="zh-CN"/>
+              <a:t>M</a:t>
+            </a:r>
+            <a:endParaRPr lang="en-US" altLang="zh-CN"/>
+          </a:p>
+        </p:txBody>
+      </p:sp>
+      <p:sp>
+        <p:nvSpPr>
+          <p:cNvPr id="10" name="文本框 9"/>
+          <p:cNvSpPr txBox="1"/>
+          <p:nvPr/>
+        </p:nvSpPr>
+        <p:spPr>
+          <a:xfrm>
+            <a:off x="4057650" y="1731645"/>
+            <a:ext cx="527050" cy="368300"/>
+          </a:xfrm>
+          <a:prstGeom prst="rect">
+            <a:avLst/>
+          </a:prstGeom>
+          <a:noFill/>
+        </p:spPr>
+        <p:txBody>
+          <a:bodyPr wrap="square" rtlCol="0">
+            <a:spAutoFit/>
+          </a:bodyPr>
+          <a:p>
+            <a:r>
+              <a:rPr lang="en-US" altLang="zh-CN"/>
+              <a:t>Mx</a:t>
+            </a:r>
+            <a:endParaRPr lang="en-US" altLang="zh-CN"/>
+          </a:p>
+        </p:txBody>
+      </p:sp>
+      <p:sp>
+        <p:nvSpPr>
+          <p:cNvPr id="11" name="文本框 10"/>
+          <p:cNvSpPr txBox="1"/>
+          <p:nvPr/>
+        </p:nvSpPr>
+        <p:spPr>
+          <a:xfrm>
+            <a:off x="5375910" y="2969895"/>
+            <a:ext cx="527050" cy="368300"/>
+          </a:xfrm>
+          <a:prstGeom prst="rect">
+            <a:avLst/>
+          </a:prstGeom>
+          <a:noFill/>
+        </p:spPr>
+        <p:txBody>
+          <a:bodyPr wrap="square" rtlCol="0">
+            <a:spAutoFit/>
+          </a:bodyPr>
+          <a:p>
+            <a:r>
+              <a:rPr lang="en-US" altLang="zh-CN"/>
+              <a:t>Mz</a:t>
+            </a:r>
+            <a:endParaRPr lang="en-US" altLang="zh-CN"/>
+          </a:p>
+        </p:txBody>
+      </p:sp>
+      <p:cxnSp>
+        <p:nvCxnSpPr>
+          <p:cNvPr id="13" name="直接连接符 12"/>
+          <p:cNvCxnSpPr/>
+          <p:nvPr>
+            <p:custDataLst>
+              <p:tags r:id="rId5"/>
+            </p:custDataLst>
+          </p:nvPr>
+        </p:nvCxnSpPr>
+        <p:spPr>
+          <a:xfrm>
+            <a:off x="5695950" y="2008505"/>
+            <a:ext cx="0" cy="895350"/>
+          </a:xfrm>
+          <a:prstGeom prst="line">
+            <a:avLst/>
+          </a:prstGeom>
+          <a:ln w="12700" cmpd="sng">
+            <a:solidFill>
+              <a:schemeClr val="accent1">
+                <a:shade val="50000"/>
+              </a:schemeClr>
+            </a:solidFill>
+            <a:prstDash val="sysDot"/>
+          </a:ln>
+        </p:spPr>
+        <p:style>
+          <a:lnRef idx="1">
+            <a:schemeClr val="accent1"/>
+          </a:lnRef>
+          <a:fillRef idx="0">
+            <a:schemeClr val="accent1"/>
+          </a:fillRef>
+          <a:effectRef idx="0">
+            <a:schemeClr val="accent1"/>
+          </a:effectRef>
+          <a:fontRef idx="minor">
+            <a:schemeClr val="tx1"/>
+          </a:fontRef>
+        </p:style>
+      </p:cxnSp>
+      <p:sp>
+        <p:nvSpPr>
+          <p:cNvPr id="14" name="文本框 13"/>
+          <p:cNvSpPr txBox="1"/>
+          <p:nvPr/>
+        </p:nvSpPr>
+        <p:spPr>
+          <a:xfrm>
+            <a:off x="4826000" y="2538095"/>
+            <a:ext cx="467995" cy="368300"/>
+          </a:xfrm>
+          <a:prstGeom prst="rect">
+            <a:avLst/>
+          </a:prstGeom>
+          <a:noFill/>
+        </p:spPr>
+        <p:txBody>
+          <a:bodyPr wrap="square" rtlCol="0">
+            <a:spAutoFit/>
+          </a:bodyPr>
+          <a:p>
+            <a:r>
+              <a:rPr lang="en-US" altLang="zh-CN">
+                <a:latin typeface="微软雅黑" panose="020B0503020204020204" charset="-122"/>
+                <a:ea typeface="微软雅黑" panose="020B0503020204020204" charset="-122"/>
+              </a:rPr>
+              <a:t>γ</a:t>
+            </a:r>
+            <a:endParaRPr lang="en-US" altLang="zh-CN">
+              <a:latin typeface="微软雅黑" panose="020B0503020204020204" charset="-122"/>
+              <a:ea typeface="微软雅黑" panose="020B0503020204020204" charset="-122"/>
+            </a:endParaRPr>
+          </a:p>
+        </p:txBody>
+      </p:sp>
+      <p:sp>
+        <p:nvSpPr>
+          <p:cNvPr id="15" name="弧形 14"/>
+          <p:cNvSpPr/>
+          <p:nvPr/>
+        </p:nvSpPr>
+        <p:spPr>
+          <a:xfrm rot="1080000">
+            <a:off x="4622800" y="2732405"/>
+            <a:ext cx="266700" cy="285115"/>
+          </a:xfrm>
+          <a:prstGeom prst="arc">
+            <a:avLst/>
+          </a:prstGeom>
+        </p:spPr>
+        <p:style>
+          <a:lnRef idx="1">
+            <a:schemeClr val="accent1"/>
+          </a:lnRef>
+          <a:fillRef idx="0">
+            <a:schemeClr val="accent1"/>
+          </a:fillRef>
+          <a:effectRef idx="0">
+            <a:schemeClr val="accent1"/>
+          </a:effectRef>
+          <a:fontRef idx="minor">
+            <a:schemeClr val="tx1"/>
+          </a:fontRef>
+        </p:style>
+        <p:txBody>
+          <a:bodyPr rtlCol="0" anchor="ctr"/>
+          <a:p>
+            <a:pPr algn="ctr"/>
+            <a:endParaRPr lang="zh-CN" altLang="en-US"/>
+          </a:p>
+        </p:txBody>
+      </p:sp>
+    </p:spTree>
+  </p:cSld>
+  <p:clrMapOvr>
+    <a:masterClrMapping/>
+  </p:clrMapOvr>
+</p:sld>
+</file>
+
+<file path=ppt/slides/slide6.xml><?xml version="1.0" encoding="utf-8"?>
+<p:sld xmlns:a="http://schemas.openxmlformats.org/drawingml/2006/main" xmlns:r="http://schemas.openxmlformats.org/officeDocument/2006/relationships" xmlns:p="http://schemas.openxmlformats.org/presentationml/2006/main">
+  <p:cSld>
+    <p:spTree>
+      <p:nvGrpSpPr>
+        <p:cNvPr id="1" name=""/>
+        <p:cNvGrpSpPr/>
+        <p:nvPr/>
+      </p:nvGrpSpPr>
+      <p:grpSpPr/>
     </p:spTree>
   </p:cSld>
   <p:clrMapOvr>
@@ -3681,11 +5810,107 @@
 
 <file path=ppt/tags/tag13.xml><?xml version="1.0" encoding="utf-8"?>
 <p:tagLst xmlns:p="http://schemas.openxmlformats.org/presentationml/2006/main">
-  <p:tag name="COMMONDATA" val="eyJoZGlkIjoiMWU1OTdjOTFjYWIzZTE2MzQ5OGQ5ZGY4ZDNiNjcyODEifQ=="/>
+  <p:tag name="KSO_WM_BEAUTIFY_FLAG" val=""/>
+</p:tagLst>
+</file>
+
+<file path=ppt/tags/tag14.xml><?xml version="1.0" encoding="utf-8"?>
+<p:tagLst xmlns:p="http://schemas.openxmlformats.org/presentationml/2006/main">
+  <p:tag name="KSO_WM_BEAUTIFY_FLAG" val=""/>
+</p:tagLst>
+</file>
+
+<file path=ppt/tags/tag15.xml><?xml version="1.0" encoding="utf-8"?>
+<p:tagLst xmlns:p="http://schemas.openxmlformats.org/presentationml/2006/main">
+  <p:tag name="KSO_WM_BEAUTIFY_FLAG" val=""/>
+</p:tagLst>
+</file>
+
+<file path=ppt/tags/tag16.xml><?xml version="1.0" encoding="utf-8"?>
+<p:tagLst xmlns:p="http://schemas.openxmlformats.org/presentationml/2006/main">
+  <p:tag name="KSO_WM_BEAUTIFY_FLAG" val=""/>
+</p:tagLst>
+</file>
+
+<file path=ppt/tags/tag17.xml><?xml version="1.0" encoding="utf-8"?>
+<p:tagLst xmlns:p="http://schemas.openxmlformats.org/presentationml/2006/main">
+  <p:tag name="KSO_WM_BEAUTIFY_FLAG" val=""/>
+</p:tagLst>
+</file>
+
+<file path=ppt/tags/tag18.xml><?xml version="1.0" encoding="utf-8"?>
+<p:tagLst xmlns:p="http://schemas.openxmlformats.org/presentationml/2006/main">
+  <p:tag name="KSO_WM_BEAUTIFY_FLAG" val=""/>
+</p:tagLst>
+</file>
+
+<file path=ppt/tags/tag19.xml><?xml version="1.0" encoding="utf-8"?>
+<p:tagLst xmlns:p="http://schemas.openxmlformats.org/presentationml/2006/main">
+  <p:tag name="KSO_WM_BEAUTIFY_FLAG" val=""/>
 </p:tagLst>
 </file>
 
 <file path=ppt/tags/tag2.xml><?xml version="1.0" encoding="utf-8"?>
+<p:tagLst xmlns:p="http://schemas.openxmlformats.org/presentationml/2006/main">
+  <p:tag name="KSO_WM_BEAUTIFY_FLAG" val=""/>
+</p:tagLst>
+</file>
+
+<file path=ppt/tags/tag20.xml><?xml version="1.0" encoding="utf-8"?>
+<p:tagLst xmlns:p="http://schemas.openxmlformats.org/presentationml/2006/main">
+  <p:tag name="KSO_WM_BEAUTIFY_FLAG" val=""/>
+</p:tagLst>
+</file>
+
+<file path=ppt/tags/tag21.xml><?xml version="1.0" encoding="utf-8"?>
+<p:tagLst xmlns:p="http://schemas.openxmlformats.org/presentationml/2006/main">
+  <p:tag name="KSO_WM_BEAUTIFY_FLAG" val=""/>
+</p:tagLst>
+</file>
+
+<file path=ppt/tags/tag22.xml><?xml version="1.0" encoding="utf-8"?>
+<p:tagLst xmlns:p="http://schemas.openxmlformats.org/presentationml/2006/main">
+  <p:tag name="KSO_WM_BEAUTIFY_FLAG" val=""/>
+</p:tagLst>
+</file>
+
+<file path=ppt/tags/tag23.xml><?xml version="1.0" encoding="utf-8"?>
+<p:tagLst xmlns:p="http://schemas.openxmlformats.org/presentationml/2006/main">
+  <p:tag name="KSO_WM_BEAUTIFY_FLAG" val=""/>
+</p:tagLst>
+</file>
+
+<file path=ppt/tags/tag24.xml><?xml version="1.0" encoding="utf-8"?>
+<p:tagLst xmlns:p="http://schemas.openxmlformats.org/presentationml/2006/main">
+  <p:tag name="KSO_WM_BEAUTIFY_FLAG" val=""/>
+</p:tagLst>
+</file>
+
+<file path=ppt/tags/tag25.xml><?xml version="1.0" encoding="utf-8"?>
+<p:tagLst xmlns:p="http://schemas.openxmlformats.org/presentationml/2006/main">
+  <p:tag name="KSO_WM_BEAUTIFY_FLAG" val=""/>
+</p:tagLst>
+</file>
+
+<file path=ppt/tags/tag26.xml><?xml version="1.0" encoding="utf-8"?>
+<p:tagLst xmlns:p="http://schemas.openxmlformats.org/presentationml/2006/main">
+  <p:tag name="KSO_WM_BEAUTIFY_FLAG" val=""/>
+</p:tagLst>
+</file>
+
+<file path=ppt/tags/tag27.xml><?xml version="1.0" encoding="utf-8"?>
+<p:tagLst xmlns:p="http://schemas.openxmlformats.org/presentationml/2006/main">
+  <p:tag name="KSO_WM_BEAUTIFY_FLAG" val=""/>
+</p:tagLst>
+</file>
+
+<file path=ppt/tags/tag28.xml><?xml version="1.0" encoding="utf-8"?>
+<p:tagLst xmlns:p="http://schemas.openxmlformats.org/presentationml/2006/main">
+  <p:tag name="KSO_WM_BEAUTIFY_FLAG" val=""/>
+</p:tagLst>
+</file>
+
+<file path=ppt/tags/tag29.xml><?xml version="1.0" encoding="utf-8"?>
 <p:tagLst xmlns:p="http://schemas.openxmlformats.org/presentationml/2006/main">
   <p:tag name="KSO_WM_BEAUTIFY_FLAG" val=""/>
 </p:tagLst>
@@ -3697,9 +5922,76 @@
 </p:tagLst>
 </file>
 
+<file path=ppt/tags/tag30.xml><?xml version="1.0" encoding="utf-8"?>
+<p:tagLst xmlns:p="http://schemas.openxmlformats.org/presentationml/2006/main">
+  <p:tag name="KSO_WM_BEAUTIFY_FLAG" val=""/>
+</p:tagLst>
+</file>
+
+<file path=ppt/tags/tag31.xml><?xml version="1.0" encoding="utf-8"?>
+<p:tagLst xmlns:p="http://schemas.openxmlformats.org/presentationml/2006/main">
+  <p:tag name="KSO_WM_BEAUTIFY_FLAG" val=""/>
+</p:tagLst>
+</file>
+
+<file path=ppt/tags/tag32.xml><?xml version="1.0" encoding="utf-8"?>
+<p:tagLst xmlns:p="http://schemas.openxmlformats.org/presentationml/2006/main">
+  <p:tag name="KSO_WM_BEAUTIFY_FLAG" val=""/>
+</p:tagLst>
+</file>
+
+<file path=ppt/tags/tag33.xml><?xml version="1.0" encoding="utf-8"?>
+<p:tagLst xmlns:p="http://schemas.openxmlformats.org/presentationml/2006/main">
+  <p:tag name="KSO_WM_BEAUTIFY_FLAG" val=""/>
+</p:tagLst>
+</file>
+
+<file path=ppt/tags/tag34.xml><?xml version="1.0" encoding="utf-8"?>
+<p:tagLst xmlns:p="http://schemas.openxmlformats.org/presentationml/2006/main">
+  <p:tag name="KSO_WM_BEAUTIFY_FLAG" val=""/>
+</p:tagLst>
+</file>
+
+<file path=ppt/tags/tag35.xml><?xml version="1.0" encoding="utf-8"?>
+<p:tagLst xmlns:p="http://schemas.openxmlformats.org/presentationml/2006/main">
+  <p:tag name="KSO_WM_BEAUTIFY_FLAG" val=""/>
+</p:tagLst>
+</file>
+
+<file path=ppt/tags/tag36.xml><?xml version="1.0" encoding="utf-8"?>
+<p:tagLst xmlns:p="http://schemas.openxmlformats.org/presentationml/2006/main">
+  <p:tag name="KSO_WM_BEAUTIFY_FLAG" val=""/>
+</p:tagLst>
+</file>
+
+<file path=ppt/tags/tag37.xml><?xml version="1.0" encoding="utf-8"?>
+<p:tagLst xmlns:p="http://schemas.openxmlformats.org/presentationml/2006/main">
+  <p:tag name="KSO_WM_BEAUTIFY_FLAG" val=""/>
+</p:tagLst>
+</file>
+
+<file path=ppt/tags/tag38.xml><?xml version="1.0" encoding="utf-8"?>
+<p:tagLst xmlns:p="http://schemas.openxmlformats.org/presentationml/2006/main">
+  <p:tag name="KSO_WM_BEAUTIFY_FLAG" val=""/>
+</p:tagLst>
+</file>
+
+<file path=ppt/tags/tag39.xml><?xml version="1.0" encoding="utf-8"?>
+<p:tagLst xmlns:p="http://schemas.openxmlformats.org/presentationml/2006/main">
+  <p:tag name="KSO_WM_BEAUTIFY_FLAG" val=""/>
+</p:tagLst>
+</file>
+
 <file path=ppt/tags/tag4.xml><?xml version="1.0" encoding="utf-8"?>
 <p:tagLst xmlns:p="http://schemas.openxmlformats.org/presentationml/2006/main">
   <p:tag name="KSO_WM_BEAUTIFY_FLAG" val=""/>
+</p:tagLst>
+</file>
+
+<file path=ppt/tags/tag40.xml><?xml version="1.0" encoding="utf-8"?>
+<p:tagLst xmlns:p="http://schemas.openxmlformats.org/presentationml/2006/main">
+  <p:tag name="COMMONDATA" val="eyJoZGlkIjoiMWU1OTdjOTFjYWIzZTE2MzQ5OGQ5ZGY4ZDNiNjcyODEifQ=="/>
+  <p:tag name="KSO_WPP_MARK_KEY" val="6a6886af-06e5-441e-af1c-c4ffbb6a0a9d"/>
 </p:tagLst>
 </file>
 

--- a/demos/rotate/旋转矩阵.pptx
+++ b/demos/rotate/旋转矩阵.pptx
@@ -6,16 +6,17 @@
   </p:sldMasterIdLst>
   <p:sldIdLst>
     <p:sldId id="256" r:id="rId3"/>
-    <p:sldId id="258" r:id="rId4"/>
-    <p:sldId id="259" r:id="rId5"/>
-    <p:sldId id="260" r:id="rId6"/>
-    <p:sldId id="261" r:id="rId7"/>
-    <p:sldId id="257" r:id="rId8"/>
+    <p:sldId id="263" r:id="rId4"/>
+    <p:sldId id="258" r:id="rId5"/>
+    <p:sldId id="259" r:id="rId6"/>
+    <p:sldId id="260" r:id="rId7"/>
+    <p:sldId id="261" r:id="rId8"/>
+    <p:sldId id="257" r:id="rId9"/>
   </p:sldIdLst>
   <p:sldSz cx="12192000" cy="6858000"/>
   <p:notesSz cx="6858000" cy="9144000"/>
   <p:custDataLst>
-    <p:tags r:id="rId12"/>
+    <p:tags r:id="rId13"/>
   </p:custDataLst>
   <p:defaultTextStyle>
     <a:defPPr>
@@ -3052,7 +3053,7 @@
           <a:p>
             <a:r>
               <a:rPr lang="en-US" altLang="zh-CN"/>
-              <a:t>X</a:t>
+              <a:t>Y</a:t>
             </a:r>
             <a:endParaRPr lang="en-US" altLang="zh-CN"/>
           </a:p>
@@ -3085,7 +3086,7 @@
           <a:p>
             <a:r>
               <a:rPr lang="en-US" altLang="zh-CN"/>
-              <a:t>Y</a:t>
+              <a:t>X</a:t>
             </a:r>
             <a:endParaRPr lang="en-US" altLang="zh-CN"/>
           </a:p>
@@ -3198,7 +3199,7 @@
         </p:nvSpPr>
         <p:spPr>
           <a:xfrm>
-            <a:off x="3329305" y="1427480"/>
+            <a:off x="2967355" y="2418080"/>
             <a:ext cx="4064000" cy="368300"/>
           </a:xfrm>
           <a:prstGeom prst="rect">
@@ -3227,7 +3228,7 @@
         </p:nvSpPr>
         <p:spPr>
           <a:xfrm>
-            <a:off x="3594735" y="1720215"/>
+            <a:off x="3253740" y="2561590"/>
             <a:ext cx="75565" cy="75565"/>
           </a:xfrm>
           <a:prstGeom prst="ellipse">
@@ -3265,9 +3266,9 @@
           <p:nvPr/>
         </p:nvSpPr>
         <p:spPr>
-          <a:xfrm rot="7980000">
-            <a:off x="2941320" y="1726565"/>
-            <a:ext cx="915035" cy="676275"/>
+          <a:xfrm rot="4860000" flipH="1">
+            <a:off x="2880360" y="1821180"/>
+            <a:ext cx="901700" cy="676275"/>
           </a:xfrm>
           <a:prstGeom prst="circularArrow">
             <a:avLst/>
@@ -3651,52 +3652,15 @@
         <p:nvPr/>
       </p:nvGrpSpPr>
       <p:grpSpPr/>
-      <p:sp>
-        <p:nvSpPr>
-          <p:cNvPr id="2" name="平行四边形 1"/>
-          <p:cNvSpPr/>
-          <p:nvPr/>
-        </p:nvSpPr>
-        <p:spPr>
-          <a:xfrm>
-            <a:off x="1739265" y="1851660"/>
-            <a:ext cx="5257165" cy="2229485"/>
-          </a:xfrm>
-          <a:prstGeom prst="parallelogram">
-            <a:avLst>
-              <a:gd name="adj" fmla="val 93624"/>
-            </a:avLst>
-          </a:prstGeom>
-        </p:spPr>
-        <p:style>
-          <a:lnRef idx="2">
-            <a:schemeClr val="accent3">
-              <a:shade val="50000"/>
-            </a:schemeClr>
-          </a:lnRef>
-          <a:fillRef idx="1">
-            <a:schemeClr val="accent3"/>
-          </a:fillRef>
-          <a:effectRef idx="0">
-            <a:schemeClr val="accent3"/>
-          </a:effectRef>
-          <a:fontRef idx="minor">
-            <a:schemeClr val="lt1"/>
-          </a:fontRef>
-        </p:style>
-        <p:txBody>
-          <a:bodyPr rtlCol="0" anchor="ctr"/>
-          <a:p>
-            <a:pPr algn="ctr"/>
-            <a:endParaRPr lang="zh-CN" altLang="en-US"/>
-          </a:p>
-        </p:txBody>
-      </p:sp>
       <p:cxnSp>
         <p:nvCxnSpPr>
           <p:cNvPr id="4" name="直接箭头连接符 3"/>
           <p:cNvCxnSpPr/>
-          <p:nvPr/>
+          <p:nvPr>
+            <p:custDataLst>
+              <p:tags r:id="rId1"/>
+            </p:custDataLst>
+          </p:nvPr>
         </p:nvCxnSpPr>
         <p:spPr>
           <a:xfrm flipV="1">
@@ -3731,14 +3695,14 @@
           <p:cNvCxnSpPr/>
           <p:nvPr>
             <p:custDataLst>
-              <p:tags r:id="rId1"/>
+              <p:tags r:id="rId2"/>
             </p:custDataLst>
           </p:nvPr>
         </p:nvCxnSpPr>
         <p:spPr>
           <a:xfrm>
-            <a:off x="2882900" y="2906395"/>
-            <a:ext cx="3830320" cy="11430"/>
+            <a:off x="4552950" y="2907030"/>
+            <a:ext cx="2160270" cy="10795"/>
           </a:xfrm>
           <a:prstGeom prst="straightConnector1">
             <a:avLst/>
@@ -3768,14 +3732,14 @@
           <p:cNvCxnSpPr/>
           <p:nvPr>
             <p:custDataLst>
-              <p:tags r:id="rId2"/>
+              <p:tags r:id="rId3"/>
             </p:custDataLst>
           </p:nvPr>
         </p:nvCxnSpPr>
         <p:spPr>
           <a:xfrm flipH="1">
-            <a:off x="3202305" y="2055495"/>
-            <a:ext cx="2163445" cy="2272665"/>
+            <a:off x="3202305" y="2907030"/>
+            <a:ext cx="1350645" cy="1421130"/>
           </a:xfrm>
           <a:prstGeom prst="straightConnector1">
             <a:avLst/>
@@ -3803,7 +3767,11 @@
         <p:nvSpPr>
           <p:cNvPr id="7" name="文本框 6"/>
           <p:cNvSpPr txBox="1"/>
-          <p:nvPr/>
+          <p:nvPr>
+            <p:custDataLst>
+              <p:tags r:id="rId4"/>
+            </p:custDataLst>
+          </p:nvPr>
         </p:nvSpPr>
         <p:spPr>
           <a:xfrm>
@@ -3822,7 +3790,7 @@
           <a:p>
             <a:r>
               <a:rPr lang="en-US" altLang="zh-CN"/>
-              <a:t>X</a:t>
+              <a:t>Y</a:t>
             </a:r>
             <a:endParaRPr lang="en-US" altLang="zh-CN"/>
           </a:p>
@@ -3834,7 +3802,7 @@
           <p:cNvSpPr txBox="1"/>
           <p:nvPr>
             <p:custDataLst>
-              <p:tags r:id="rId3"/>
+              <p:tags r:id="rId5"/>
             </p:custDataLst>
           </p:nvPr>
         </p:nvSpPr>
@@ -3855,7 +3823,7 @@
           <a:p>
             <a:r>
               <a:rPr lang="en-US" altLang="zh-CN"/>
-              <a:t>Y</a:t>
+              <a:t>X</a:t>
             </a:r>
             <a:endParaRPr lang="en-US" altLang="zh-CN"/>
           </a:p>
@@ -3867,7 +3835,7 @@
           <p:cNvSpPr txBox="1"/>
           <p:nvPr>
             <p:custDataLst>
-              <p:tags r:id="rId4"/>
+              <p:tags r:id="rId6"/>
             </p:custDataLst>
           </p:nvPr>
         </p:nvSpPr>
@@ -3900,14 +3868,14 @@
           <p:cNvCxnSpPr/>
           <p:nvPr>
             <p:custDataLst>
-              <p:tags r:id="rId5"/>
+              <p:tags r:id="rId7"/>
             </p:custDataLst>
           </p:nvPr>
         </p:nvCxnSpPr>
         <p:spPr>
           <a:xfrm flipH="1" flipV="1">
             <a:off x="2839720" y="1795780"/>
-            <a:ext cx="1713230" cy="1111250"/>
+            <a:ext cx="1913255" cy="898525"/>
           </a:xfrm>
           <a:prstGeom prst="straightConnector1">
             <a:avLst/>
@@ -3935,6 +3903,829 @@
         <p:nvSpPr>
           <p:cNvPr id="11" name="文本框 10"/>
           <p:cNvSpPr txBox="1"/>
+          <p:nvPr>
+            <p:custDataLst>
+              <p:tags r:id="rId8"/>
+            </p:custDataLst>
+          </p:nvPr>
+        </p:nvSpPr>
+        <p:spPr>
+          <a:xfrm>
+            <a:off x="2520950" y="1427480"/>
+            <a:ext cx="1085215" cy="368300"/>
+          </a:xfrm>
+          <a:prstGeom prst="rect">
+            <a:avLst/>
+          </a:prstGeom>
+          <a:noFill/>
+        </p:spPr>
+        <p:txBody>
+          <a:bodyPr wrap="square" rtlCol="0">
+            <a:spAutoFit/>
+          </a:bodyPr>
+          <a:p>
+            <a:r>
+              <a:rPr lang="en-US" altLang="zh-CN"/>
+              <a:t>(x1,y1,z1)</a:t>
+            </a:r>
+            <a:endParaRPr lang="en-US" altLang="zh-CN"/>
+          </a:p>
+        </p:txBody>
+      </p:sp>
+      <p:sp>
+        <p:nvSpPr>
+          <p:cNvPr id="12" name="文本框 11"/>
+          <p:cNvSpPr txBox="1"/>
+          <p:nvPr>
+            <p:custDataLst>
+              <p:tags r:id="rId9"/>
+            </p:custDataLst>
+          </p:nvPr>
+        </p:nvSpPr>
+        <p:spPr>
+          <a:xfrm>
+            <a:off x="2967355" y="2418080"/>
+            <a:ext cx="4064000" cy="368300"/>
+          </a:xfrm>
+          <a:prstGeom prst="rect">
+            <a:avLst/>
+          </a:prstGeom>
+          <a:noFill/>
+        </p:spPr>
+        <p:txBody>
+          <a:bodyPr wrap="square" rtlCol="0">
+            <a:spAutoFit/>
+          </a:bodyPr>
+          <a:p>
+            <a:r>
+              <a:rPr lang="en-US" altLang="zh-CN"/>
+              <a:t>O</a:t>
+            </a:r>
+            <a:endParaRPr lang="en-US" altLang="zh-CN"/>
+          </a:p>
+        </p:txBody>
+      </p:sp>
+      <p:sp>
+        <p:nvSpPr>
+          <p:cNvPr id="13" name="椭圆 12"/>
+          <p:cNvSpPr/>
+          <p:nvPr>
+            <p:custDataLst>
+              <p:tags r:id="rId10"/>
+            </p:custDataLst>
+          </p:nvPr>
+        </p:nvSpPr>
+        <p:spPr>
+          <a:xfrm>
+            <a:off x="3253740" y="2561590"/>
+            <a:ext cx="75565" cy="75565"/>
+          </a:xfrm>
+          <a:prstGeom prst="ellipse">
+            <a:avLst/>
+          </a:prstGeom>
+        </p:spPr>
+        <p:style>
+          <a:lnRef idx="2">
+            <a:schemeClr val="dk1">
+              <a:shade val="50000"/>
+            </a:schemeClr>
+          </a:lnRef>
+          <a:fillRef idx="1">
+            <a:schemeClr val="dk1"/>
+          </a:fillRef>
+          <a:effectRef idx="0">
+            <a:schemeClr val="dk1"/>
+          </a:effectRef>
+          <a:fontRef idx="minor">
+            <a:schemeClr val="lt1"/>
+          </a:fontRef>
+        </p:style>
+        <p:txBody>
+          <a:bodyPr rtlCol="0" anchor="ctr"/>
+          <a:p>
+            <a:pPr algn="ctr"/>
+            <a:endParaRPr lang="zh-CN" altLang="en-US"/>
+          </a:p>
+        </p:txBody>
+      </p:sp>
+      <p:sp>
+        <p:nvSpPr>
+          <p:cNvPr id="14" name="环形箭头 13"/>
+          <p:cNvSpPr/>
+          <p:nvPr>
+            <p:custDataLst>
+              <p:tags r:id="rId11"/>
+            </p:custDataLst>
+          </p:nvPr>
+        </p:nvSpPr>
+        <p:spPr>
+          <a:xfrm rot="4860000" flipH="1">
+            <a:off x="2880360" y="1821180"/>
+            <a:ext cx="901700" cy="676275"/>
+          </a:xfrm>
+          <a:prstGeom prst="circularArrow">
+            <a:avLst/>
+          </a:prstGeom>
+        </p:spPr>
+        <p:style>
+          <a:lnRef idx="2">
+            <a:schemeClr val="accent1">
+              <a:shade val="50000"/>
+            </a:schemeClr>
+          </a:lnRef>
+          <a:fillRef idx="1">
+            <a:schemeClr val="accent1"/>
+          </a:fillRef>
+          <a:effectRef idx="0">
+            <a:schemeClr val="accent1"/>
+          </a:effectRef>
+          <a:fontRef idx="minor">
+            <a:schemeClr val="lt1"/>
+          </a:fontRef>
+        </p:style>
+        <p:txBody>
+          <a:bodyPr rtlCol="0" anchor="ctr"/>
+          <a:p>
+            <a:pPr algn="ctr"/>
+            <a:endParaRPr lang="zh-CN" altLang="en-US">
+              <a:solidFill>
+                <a:schemeClr val="tx1"/>
+              </a:solidFill>
+            </a:endParaRPr>
+          </a:p>
+        </p:txBody>
+      </p:sp>
+      <p:cxnSp>
+        <p:nvCxnSpPr>
+          <p:cNvPr id="16" name="直接连接符 15"/>
+          <p:cNvCxnSpPr/>
+          <p:nvPr>
+            <p:custDataLst>
+              <p:tags r:id="rId12"/>
+            </p:custDataLst>
+          </p:nvPr>
+        </p:nvCxnSpPr>
+        <p:spPr>
+          <a:xfrm flipV="1">
+            <a:off x="2265680" y="3612515"/>
+            <a:ext cx="1584960" cy="23495"/>
+          </a:xfrm>
+          <a:prstGeom prst="line">
+            <a:avLst/>
+          </a:prstGeom>
+          <a:ln w="12700" cmpd="sng">
+            <a:solidFill>
+              <a:schemeClr val="accent1">
+                <a:shade val="50000"/>
+              </a:schemeClr>
+            </a:solidFill>
+            <a:prstDash val="sysDot"/>
+          </a:ln>
+        </p:spPr>
+        <p:style>
+          <a:lnRef idx="1">
+            <a:schemeClr val="accent1"/>
+          </a:lnRef>
+          <a:fillRef idx="0">
+            <a:schemeClr val="accent1"/>
+          </a:fillRef>
+          <a:effectRef idx="0">
+            <a:schemeClr val="accent1"/>
+          </a:effectRef>
+          <a:fontRef idx="minor">
+            <a:schemeClr val="tx1"/>
+          </a:fontRef>
+        </p:style>
+      </p:cxnSp>
+      <p:cxnSp>
+        <p:nvCxnSpPr>
+          <p:cNvPr id="17" name="直接连接符 16"/>
+          <p:cNvCxnSpPr/>
+          <p:nvPr>
+            <p:custDataLst>
+              <p:tags r:id="rId13"/>
+            </p:custDataLst>
+          </p:nvPr>
+        </p:nvCxnSpPr>
+        <p:spPr>
+          <a:xfrm flipV="1">
+            <a:off x="2893060" y="1805940"/>
+            <a:ext cx="10795" cy="1830070"/>
+          </a:xfrm>
+          <a:prstGeom prst="line">
+            <a:avLst/>
+          </a:prstGeom>
+          <a:ln w="12700" cmpd="sng">
+            <a:solidFill>
+              <a:schemeClr val="accent1">
+                <a:shade val="50000"/>
+              </a:schemeClr>
+            </a:solidFill>
+            <a:prstDash val="sysDot"/>
+          </a:ln>
+        </p:spPr>
+        <p:style>
+          <a:lnRef idx="1">
+            <a:schemeClr val="accent1"/>
+          </a:lnRef>
+          <a:fillRef idx="0">
+            <a:schemeClr val="accent1"/>
+          </a:fillRef>
+          <a:effectRef idx="0">
+            <a:schemeClr val="accent1"/>
+          </a:effectRef>
+          <a:fontRef idx="minor">
+            <a:schemeClr val="tx1"/>
+          </a:fontRef>
+        </p:style>
+      </p:cxnSp>
+      <p:cxnSp>
+        <p:nvCxnSpPr>
+          <p:cNvPr id="18" name="直接连接符 17"/>
+          <p:cNvCxnSpPr/>
+          <p:nvPr>
+            <p:custDataLst>
+              <p:tags r:id="rId14"/>
+            </p:custDataLst>
+          </p:nvPr>
+        </p:nvCxnSpPr>
+        <p:spPr>
+          <a:xfrm flipV="1">
+            <a:off x="3340100" y="1092200"/>
+            <a:ext cx="1223645" cy="18415"/>
+          </a:xfrm>
+          <a:prstGeom prst="line">
+            <a:avLst/>
+          </a:prstGeom>
+          <a:ln w="12700" cmpd="sng">
+            <a:solidFill>
+              <a:schemeClr val="accent1">
+                <a:shade val="50000"/>
+              </a:schemeClr>
+            </a:solidFill>
+            <a:prstDash val="sysDot"/>
+          </a:ln>
+        </p:spPr>
+        <p:style>
+          <a:lnRef idx="1">
+            <a:schemeClr val="accent1"/>
+          </a:lnRef>
+          <a:fillRef idx="0">
+            <a:schemeClr val="accent1"/>
+          </a:fillRef>
+          <a:effectRef idx="0">
+            <a:schemeClr val="accent1"/>
+          </a:effectRef>
+          <a:fontRef idx="minor">
+            <a:schemeClr val="tx1"/>
+          </a:fontRef>
+        </p:style>
+      </p:cxnSp>
+      <p:cxnSp>
+        <p:nvCxnSpPr>
+          <p:cNvPr id="20" name="直接连接符 19"/>
+          <p:cNvCxnSpPr/>
+          <p:nvPr>
+            <p:custDataLst>
+              <p:tags r:id="rId15"/>
+            </p:custDataLst>
+          </p:nvPr>
+        </p:nvCxnSpPr>
+        <p:spPr>
+          <a:xfrm flipV="1">
+            <a:off x="3572510" y="1071880"/>
+            <a:ext cx="32385" cy="1819910"/>
+          </a:xfrm>
+          <a:prstGeom prst="line">
+            <a:avLst/>
+          </a:prstGeom>
+          <a:ln w="12700" cmpd="sng">
+            <a:solidFill>
+              <a:schemeClr val="accent1">
+                <a:shade val="50000"/>
+              </a:schemeClr>
+            </a:solidFill>
+            <a:prstDash val="sysDot"/>
+          </a:ln>
+        </p:spPr>
+        <p:style>
+          <a:lnRef idx="1">
+            <a:schemeClr val="accent1"/>
+          </a:lnRef>
+          <a:fillRef idx="0">
+            <a:schemeClr val="accent1"/>
+          </a:fillRef>
+          <a:effectRef idx="0">
+            <a:schemeClr val="accent1"/>
+          </a:effectRef>
+          <a:fontRef idx="minor">
+            <a:schemeClr val="tx1"/>
+          </a:fontRef>
+        </p:style>
+      </p:cxnSp>
+      <p:cxnSp>
+        <p:nvCxnSpPr>
+          <p:cNvPr id="21" name="直接连接符 20"/>
+          <p:cNvCxnSpPr/>
+          <p:nvPr>
+            <p:custDataLst>
+              <p:tags r:id="rId16"/>
+            </p:custDataLst>
+          </p:nvPr>
+        </p:nvCxnSpPr>
+        <p:spPr>
+          <a:xfrm>
+            <a:off x="3052445" y="2915285"/>
+            <a:ext cx="1500505" cy="5080"/>
+          </a:xfrm>
+          <a:prstGeom prst="line">
+            <a:avLst/>
+          </a:prstGeom>
+          <a:ln w="12700" cmpd="sng">
+            <a:solidFill>
+              <a:schemeClr val="accent1">
+                <a:shade val="50000"/>
+              </a:schemeClr>
+            </a:solidFill>
+            <a:prstDash val="sysDot"/>
+          </a:ln>
+        </p:spPr>
+        <p:style>
+          <a:lnRef idx="1">
+            <a:schemeClr val="accent1"/>
+          </a:lnRef>
+          <a:fillRef idx="0">
+            <a:schemeClr val="accent1"/>
+          </a:fillRef>
+          <a:effectRef idx="0">
+            <a:schemeClr val="accent1"/>
+          </a:effectRef>
+          <a:fontRef idx="minor">
+            <a:schemeClr val="tx1"/>
+          </a:fontRef>
+        </p:style>
+      </p:cxnSp>
+      <p:cxnSp>
+        <p:nvCxnSpPr>
+          <p:cNvPr id="22" name="直接连接符 21"/>
+          <p:cNvCxnSpPr/>
+          <p:nvPr>
+            <p:custDataLst>
+              <p:tags r:id="rId17"/>
+            </p:custDataLst>
+          </p:nvPr>
+        </p:nvCxnSpPr>
+        <p:spPr>
+          <a:xfrm flipV="1">
+            <a:off x="2892425" y="1104265"/>
+            <a:ext cx="713740" cy="732155"/>
+          </a:xfrm>
+          <a:prstGeom prst="line">
+            <a:avLst/>
+          </a:prstGeom>
+          <a:ln w="12700" cmpd="sng">
+            <a:solidFill>
+              <a:schemeClr val="accent1">
+                <a:shade val="50000"/>
+              </a:schemeClr>
+            </a:solidFill>
+            <a:prstDash val="sysDot"/>
+          </a:ln>
+        </p:spPr>
+        <p:style>
+          <a:lnRef idx="1">
+            <a:schemeClr val="accent1"/>
+          </a:lnRef>
+          <a:fillRef idx="0">
+            <a:schemeClr val="accent1"/>
+          </a:fillRef>
+          <a:effectRef idx="0">
+            <a:schemeClr val="accent1"/>
+          </a:effectRef>
+          <a:fontRef idx="minor">
+            <a:schemeClr val="tx1"/>
+          </a:fontRef>
+        </p:style>
+      </p:cxnSp>
+      <p:cxnSp>
+        <p:nvCxnSpPr>
+          <p:cNvPr id="23" name="直接连接符 22"/>
+          <p:cNvCxnSpPr/>
+          <p:nvPr>
+            <p:custDataLst>
+              <p:tags r:id="rId18"/>
+            </p:custDataLst>
+          </p:nvPr>
+        </p:nvCxnSpPr>
+        <p:spPr>
+          <a:xfrm flipV="1">
+            <a:off x="2903855" y="2907030"/>
+            <a:ext cx="669925" cy="690245"/>
+          </a:xfrm>
+          <a:prstGeom prst="line">
+            <a:avLst/>
+          </a:prstGeom>
+          <a:ln w="12700" cmpd="sng">
+            <a:solidFill>
+              <a:schemeClr val="accent1">
+                <a:shade val="50000"/>
+              </a:schemeClr>
+            </a:solidFill>
+            <a:prstDash val="sysDot"/>
+          </a:ln>
+        </p:spPr>
+        <p:style>
+          <a:lnRef idx="1">
+            <a:schemeClr val="accent1"/>
+          </a:lnRef>
+          <a:fillRef idx="0">
+            <a:schemeClr val="accent1"/>
+          </a:fillRef>
+          <a:effectRef idx="0">
+            <a:schemeClr val="accent1"/>
+          </a:effectRef>
+          <a:fontRef idx="minor">
+            <a:schemeClr val="tx1"/>
+          </a:fontRef>
+        </p:style>
+      </p:cxnSp>
+      <p:sp>
+        <p:nvSpPr>
+          <p:cNvPr id="24" name="文本框 23"/>
+          <p:cNvSpPr txBox="1"/>
+          <p:nvPr>
+            <p:custDataLst>
+              <p:tags r:id="rId19"/>
+            </p:custDataLst>
+          </p:nvPr>
+        </p:nvSpPr>
+        <p:spPr>
+          <a:xfrm>
+            <a:off x="3670300" y="1997710"/>
+            <a:ext cx="4064000" cy="368300"/>
+          </a:xfrm>
+          <a:prstGeom prst="rect">
+            <a:avLst/>
+          </a:prstGeom>
+          <a:noFill/>
+          <a:ln>
+            <a:noFill/>
+          </a:ln>
+        </p:spPr>
+        <p:txBody>
+          <a:bodyPr wrap="square" rtlCol="0">
+            <a:spAutoFit/>
+          </a:bodyPr>
+          <a:p>
+            <a:r>
+              <a:rPr lang="zh-CN" altLang="en-US">
+                <a:latin typeface="Arial" panose="020B0604020202020204" pitchFamily="34" charset="0"/>
+                <a:cs typeface="Arial" panose="020B0604020202020204" pitchFamily="34" charset="0"/>
+              </a:rPr>
+              <a:t>α</a:t>
+            </a:r>
+            <a:endParaRPr lang="zh-CN" altLang="en-US">
+              <a:latin typeface="Arial" panose="020B0604020202020204" pitchFamily="34" charset="0"/>
+              <a:cs typeface="Arial" panose="020B0604020202020204" pitchFamily="34" charset="0"/>
+            </a:endParaRPr>
+          </a:p>
+        </p:txBody>
+      </p:sp>
+      <p:sp>
+        <p:nvSpPr>
+          <p:cNvPr id="15" name="文本框 14"/>
+          <p:cNvSpPr txBox="1"/>
+          <p:nvPr>
+            <p:custDataLst>
+              <p:tags r:id="rId20"/>
+            </p:custDataLst>
+          </p:nvPr>
+        </p:nvSpPr>
+        <p:spPr>
+          <a:xfrm>
+            <a:off x="4752975" y="2366010"/>
+            <a:ext cx="1085215" cy="368300"/>
+          </a:xfrm>
+          <a:prstGeom prst="rect">
+            <a:avLst/>
+          </a:prstGeom>
+          <a:noFill/>
+        </p:spPr>
+        <p:txBody>
+          <a:bodyPr wrap="square" rtlCol="0">
+            <a:spAutoFit/>
+          </a:bodyPr>
+          <a:p>
+            <a:r>
+              <a:rPr lang="en-US" altLang="zh-CN"/>
+              <a:t>(x0,y0,z0)</a:t>
+            </a:r>
+            <a:endParaRPr lang="en-US" altLang="zh-CN"/>
+          </a:p>
+        </p:txBody>
+      </p:sp>
+    </p:spTree>
+  </p:cSld>
+  <p:clrMapOvr>
+    <a:masterClrMapping/>
+  </p:clrMapOvr>
+</p:sld>
+</file>
+
+<file path=ppt/slides/slide3.xml><?xml version="1.0" encoding="utf-8"?>
+<p:sld xmlns:a="http://schemas.openxmlformats.org/drawingml/2006/main" xmlns:r="http://schemas.openxmlformats.org/officeDocument/2006/relationships" xmlns:p="http://schemas.openxmlformats.org/presentationml/2006/main">
+  <p:cSld>
+    <p:spTree>
+      <p:nvGrpSpPr>
+        <p:cNvPr id="1" name=""/>
+        <p:cNvGrpSpPr/>
+        <p:nvPr/>
+      </p:nvGrpSpPr>
+      <p:grpSpPr/>
+      <p:sp>
+        <p:nvSpPr>
+          <p:cNvPr id="2" name="平行四边形 1"/>
+          <p:cNvSpPr/>
+          <p:nvPr/>
+        </p:nvSpPr>
+        <p:spPr>
+          <a:xfrm>
+            <a:off x="1739265" y="1851660"/>
+            <a:ext cx="5257165" cy="2229485"/>
+          </a:xfrm>
+          <a:prstGeom prst="parallelogram">
+            <a:avLst>
+              <a:gd name="adj" fmla="val 93624"/>
+            </a:avLst>
+          </a:prstGeom>
+        </p:spPr>
+        <p:style>
+          <a:lnRef idx="2">
+            <a:schemeClr val="accent3">
+              <a:shade val="50000"/>
+            </a:schemeClr>
+          </a:lnRef>
+          <a:fillRef idx="1">
+            <a:schemeClr val="accent3"/>
+          </a:fillRef>
+          <a:effectRef idx="0">
+            <a:schemeClr val="accent3"/>
+          </a:effectRef>
+          <a:fontRef idx="minor">
+            <a:schemeClr val="lt1"/>
+          </a:fontRef>
+        </p:style>
+        <p:txBody>
+          <a:bodyPr rtlCol="0" anchor="ctr"/>
+          <a:p>
+            <a:pPr algn="ctr"/>
+            <a:endParaRPr lang="zh-CN" altLang="en-US"/>
+          </a:p>
+        </p:txBody>
+      </p:sp>
+      <p:cxnSp>
+        <p:nvCxnSpPr>
+          <p:cNvPr id="4" name="直接箭头连接符 3"/>
+          <p:cNvCxnSpPr/>
+          <p:nvPr/>
+        </p:nvCxnSpPr>
+        <p:spPr>
+          <a:xfrm flipV="1">
+            <a:off x="4552950" y="761365"/>
+            <a:ext cx="0" cy="2148840"/>
+          </a:xfrm>
+          <a:prstGeom prst="straightConnector1">
+            <a:avLst/>
+          </a:prstGeom>
+          <a:ln>
+            <a:tailEnd type="arrow"/>
+          </a:ln>
+        </p:spPr>
+        <p:style>
+          <a:lnRef idx="1">
+            <a:schemeClr val="accent1"/>
+          </a:lnRef>
+          <a:fillRef idx="0">
+            <a:schemeClr val="accent1"/>
+          </a:fillRef>
+          <a:effectRef idx="0">
+            <a:schemeClr val="accent1"/>
+          </a:effectRef>
+          <a:fontRef idx="minor">
+            <a:schemeClr val="tx1"/>
+          </a:fontRef>
+        </p:style>
+      </p:cxnSp>
+      <p:cxnSp>
+        <p:nvCxnSpPr>
+          <p:cNvPr id="5" name="直接箭头连接符 4"/>
+          <p:cNvCxnSpPr/>
+          <p:nvPr>
+            <p:custDataLst>
+              <p:tags r:id="rId1"/>
+            </p:custDataLst>
+          </p:nvPr>
+        </p:nvCxnSpPr>
+        <p:spPr>
+          <a:xfrm>
+            <a:off x="2882900" y="2906395"/>
+            <a:ext cx="3830320" cy="11430"/>
+          </a:xfrm>
+          <a:prstGeom prst="straightConnector1">
+            <a:avLst/>
+          </a:prstGeom>
+          <a:ln>
+            <a:tailEnd type="arrow" w="med" len="med"/>
+          </a:ln>
+        </p:spPr>
+        <p:style>
+          <a:lnRef idx="1">
+            <a:schemeClr val="accent2"/>
+          </a:lnRef>
+          <a:fillRef idx="0">
+            <a:schemeClr val="accent2"/>
+          </a:fillRef>
+          <a:effectRef idx="0">
+            <a:schemeClr val="accent2"/>
+          </a:effectRef>
+          <a:fontRef idx="minor">
+            <a:schemeClr val="tx1"/>
+          </a:fontRef>
+        </p:style>
+      </p:cxnSp>
+      <p:cxnSp>
+        <p:nvCxnSpPr>
+          <p:cNvPr id="6" name="直接箭头连接符 5"/>
+          <p:cNvCxnSpPr/>
+          <p:nvPr>
+            <p:custDataLst>
+              <p:tags r:id="rId2"/>
+            </p:custDataLst>
+          </p:nvPr>
+        </p:nvCxnSpPr>
+        <p:spPr>
+          <a:xfrm flipH="1">
+            <a:off x="3202305" y="2055495"/>
+            <a:ext cx="2163445" cy="2272665"/>
+          </a:xfrm>
+          <a:prstGeom prst="straightConnector1">
+            <a:avLst/>
+          </a:prstGeom>
+          <a:ln>
+            <a:tailEnd type="arrow" w="med" len="med"/>
+          </a:ln>
+        </p:spPr>
+        <p:style>
+          <a:lnRef idx="1">
+            <a:schemeClr val="accent4"/>
+          </a:lnRef>
+          <a:fillRef idx="0">
+            <a:schemeClr val="accent4"/>
+          </a:fillRef>
+          <a:effectRef idx="0">
+            <a:schemeClr val="accent4"/>
+          </a:effectRef>
+          <a:fontRef idx="minor">
+            <a:schemeClr val="tx1"/>
+          </a:fontRef>
+        </p:style>
+      </p:cxnSp>
+      <p:sp>
+        <p:nvSpPr>
+          <p:cNvPr id="7" name="文本框 6"/>
+          <p:cNvSpPr txBox="1"/>
+          <p:nvPr/>
+        </p:nvSpPr>
+        <p:spPr>
+          <a:xfrm>
+            <a:off x="4691380" y="518795"/>
+            <a:ext cx="467995" cy="368300"/>
+          </a:xfrm>
+          <a:prstGeom prst="rect">
+            <a:avLst/>
+          </a:prstGeom>
+          <a:noFill/>
+        </p:spPr>
+        <p:txBody>
+          <a:bodyPr wrap="square" rtlCol="0">
+            <a:spAutoFit/>
+          </a:bodyPr>
+          <a:p>
+            <a:r>
+              <a:rPr lang="en-US" altLang="zh-CN"/>
+              <a:t>Y</a:t>
+            </a:r>
+            <a:endParaRPr lang="en-US" altLang="zh-CN"/>
+          </a:p>
+        </p:txBody>
+      </p:sp>
+      <p:sp>
+        <p:nvSpPr>
+          <p:cNvPr id="8" name="文本框 7"/>
+          <p:cNvSpPr txBox="1"/>
+          <p:nvPr>
+            <p:custDataLst>
+              <p:tags r:id="rId3"/>
+            </p:custDataLst>
+          </p:nvPr>
+        </p:nvSpPr>
+        <p:spPr>
+          <a:xfrm>
+            <a:off x="6713220" y="2917825"/>
+            <a:ext cx="467995" cy="368300"/>
+          </a:xfrm>
+          <a:prstGeom prst="rect">
+            <a:avLst/>
+          </a:prstGeom>
+          <a:noFill/>
+        </p:spPr>
+        <p:txBody>
+          <a:bodyPr wrap="square" rtlCol="0">
+            <a:spAutoFit/>
+          </a:bodyPr>
+          <a:p>
+            <a:r>
+              <a:rPr lang="en-US" altLang="zh-CN"/>
+              <a:t>X</a:t>
+            </a:r>
+            <a:endParaRPr lang="en-US" altLang="zh-CN"/>
+          </a:p>
+        </p:txBody>
+      </p:sp>
+      <p:sp>
+        <p:nvSpPr>
+          <p:cNvPr id="9" name="文本框 8"/>
+          <p:cNvSpPr txBox="1"/>
+          <p:nvPr>
+            <p:custDataLst>
+              <p:tags r:id="rId4"/>
+            </p:custDataLst>
+          </p:nvPr>
+        </p:nvSpPr>
+        <p:spPr>
+          <a:xfrm>
+            <a:off x="3202305" y="4328160"/>
+            <a:ext cx="467995" cy="368300"/>
+          </a:xfrm>
+          <a:prstGeom prst="rect">
+            <a:avLst/>
+          </a:prstGeom>
+          <a:noFill/>
+        </p:spPr>
+        <p:txBody>
+          <a:bodyPr wrap="square" rtlCol="0">
+            <a:spAutoFit/>
+          </a:bodyPr>
+          <a:p>
+            <a:r>
+              <a:rPr lang="en-US" altLang="zh-CN"/>
+              <a:t>Z</a:t>
+            </a:r>
+            <a:endParaRPr lang="en-US" altLang="zh-CN"/>
+          </a:p>
+        </p:txBody>
+      </p:sp>
+      <p:cxnSp>
+        <p:nvCxnSpPr>
+          <p:cNvPr id="10" name="直接箭头连接符 9"/>
+          <p:cNvCxnSpPr/>
+          <p:nvPr>
+            <p:custDataLst>
+              <p:tags r:id="rId5"/>
+            </p:custDataLst>
+          </p:nvPr>
+        </p:nvCxnSpPr>
+        <p:spPr>
+          <a:xfrm flipH="1" flipV="1">
+            <a:off x="2839720" y="1795780"/>
+            <a:ext cx="1713230" cy="1111250"/>
+          </a:xfrm>
+          <a:prstGeom prst="straightConnector1">
+            <a:avLst/>
+          </a:prstGeom>
+          <a:ln>
+            <a:tailEnd type="arrow" w="med" len="med"/>
+          </a:ln>
+        </p:spPr>
+        <p:style>
+          <a:lnRef idx="1">
+            <a:schemeClr val="dk1"/>
+          </a:lnRef>
+          <a:fillRef idx="0">
+            <a:schemeClr val="dk1"/>
+          </a:fillRef>
+          <a:effectRef idx="0">
+            <a:schemeClr val="dk1"/>
+          </a:effectRef>
+          <a:fontRef idx="minor">
+            <a:schemeClr val="tx1"/>
+          </a:fontRef>
+        </p:style>
+      </p:cxnSp>
+      <p:sp>
+        <p:nvSpPr>
+          <p:cNvPr id="11" name="文本框 10"/>
+          <p:cNvSpPr txBox="1"/>
           <p:nvPr/>
         </p:nvSpPr>
         <p:spPr>
@@ -3967,9 +4758,9 @@
           <p:nvPr/>
         </p:nvCxnSpPr>
         <p:spPr>
-          <a:xfrm flipH="1" flipV="1">
-            <a:off x="3835400" y="1953895"/>
-            <a:ext cx="698500" cy="933450"/>
+          <a:xfrm flipV="1">
+            <a:off x="4533900" y="1762125"/>
+            <a:ext cx="411480" cy="1125220"/>
           </a:xfrm>
           <a:prstGeom prst="straightConnector1">
             <a:avLst/>
@@ -4295,7 +5086,7 @@
         </p:nvSpPr>
         <p:spPr>
           <a:xfrm>
-            <a:off x="3670300" y="1585595"/>
+            <a:off x="4753610" y="1365885"/>
             <a:ext cx="527050" cy="368300"/>
           </a:xfrm>
           <a:prstGeom prst="rect">
@@ -4323,9 +5114,9 @@
           <p:nvPr/>
         </p:nvSpPr>
         <p:spPr>
-          <a:xfrm rot="6720000">
-            <a:off x="4434840" y="2654935"/>
-            <a:ext cx="92710" cy="78740"/>
+          <a:xfrm rot="10620000">
+            <a:off x="4627880" y="2670810"/>
+            <a:ext cx="203200" cy="205105"/>
           </a:xfrm>
           <a:prstGeom prst="corner">
             <a:avLst>
@@ -4365,9 +5156,9 @@
           <p:nvPr/>
         </p:nvSpPr>
         <p:spPr>
-          <a:xfrm rot="7980000" flipH="1" flipV="1">
-            <a:off x="3858895" y="1674495"/>
-            <a:ext cx="1530985" cy="2084705"/>
+          <a:xfrm rot="10980000" flipH="1" flipV="1">
+            <a:off x="2753995" y="1845945"/>
+            <a:ext cx="3336290" cy="4801870"/>
           </a:xfrm>
           <a:prstGeom prst="circularArrow">
             <a:avLst>
@@ -4414,9 +5205,9 @@
           <p:nvPr/>
         </p:nvSpPr>
         <p:spPr>
-          <a:xfrm rot="6720000">
-            <a:off x="4257040" y="2642235"/>
-            <a:ext cx="92710" cy="78740"/>
+          <a:xfrm rot="6660000">
+            <a:off x="4399280" y="2586355"/>
+            <a:ext cx="189865" cy="219075"/>
           </a:xfrm>
           <a:prstGeom prst="corner">
             <a:avLst>
@@ -4457,7 +5248,7 @@
 </p:sld>
 </file>
 
-<file path=ppt/slides/slide3.xml><?xml version="1.0" encoding="utf-8"?>
+<file path=ppt/slides/slide4.xml><?xml version="1.0" encoding="utf-8"?>
 <p:sld xmlns:a="http://schemas.openxmlformats.org/drawingml/2006/main" xmlns:r="http://schemas.openxmlformats.org/officeDocument/2006/relationships" xmlns:p="http://schemas.openxmlformats.org/presentationml/2006/main">
   <p:cSld>
     <p:spTree>
@@ -4515,9 +5306,9 @@
           <p:nvPr/>
         </p:nvSpPr>
         <p:spPr>
-          <a:xfrm rot="11280000" flipH="1" flipV="1">
-            <a:off x="3787775" y="2386965"/>
-            <a:ext cx="1530985" cy="2084705"/>
+          <a:xfrm rot="12300000" flipV="1">
+            <a:off x="4415155" y="1779905"/>
+            <a:ext cx="466725" cy="739775"/>
           </a:xfrm>
           <a:prstGeom prst="circularArrow">
             <a:avLst>
@@ -4687,7 +5478,7 @@
           <a:p>
             <a:r>
               <a:rPr lang="en-US" altLang="zh-CN"/>
-              <a:t>X</a:t>
+              <a:t>Y</a:t>
             </a:r>
             <a:endParaRPr lang="en-US" altLang="zh-CN"/>
           </a:p>
@@ -4720,7 +5511,7 @@
           <a:p>
             <a:r>
               <a:rPr lang="en-US" altLang="zh-CN"/>
-              <a:t>Y</a:t>
+              <a:t>X</a:t>
             </a:r>
             <a:endParaRPr lang="en-US" altLang="zh-CN"/>
           </a:p>
@@ -4754,6 +5545,303 @@
             <a:r>
               <a:rPr lang="en-US" altLang="zh-CN"/>
               <a:t>Z</a:t>
+            </a:r>
+            <a:endParaRPr lang="en-US" altLang="zh-CN"/>
+          </a:p>
+        </p:txBody>
+      </p:sp>
+      <p:cxnSp>
+        <p:nvCxnSpPr>
+          <p:cNvPr id="30" name="直接连接符 29"/>
+          <p:cNvCxnSpPr/>
+          <p:nvPr>
+            <p:custDataLst>
+              <p:tags r:id="rId5"/>
+            </p:custDataLst>
+          </p:nvPr>
+        </p:nvCxnSpPr>
+        <p:spPr>
+          <a:xfrm>
+            <a:off x="3052445" y="2915285"/>
+            <a:ext cx="1500505" cy="5080"/>
+          </a:xfrm>
+          <a:prstGeom prst="line">
+            <a:avLst/>
+          </a:prstGeom>
+          <a:ln w="12700" cmpd="sng">
+            <a:solidFill>
+              <a:schemeClr val="accent1">
+                <a:shade val="50000"/>
+              </a:schemeClr>
+            </a:solidFill>
+            <a:prstDash val="sysDot"/>
+          </a:ln>
+        </p:spPr>
+        <p:style>
+          <a:lnRef idx="1">
+            <a:schemeClr val="accent1"/>
+          </a:lnRef>
+          <a:fillRef idx="0">
+            <a:schemeClr val="accent1"/>
+          </a:fillRef>
+          <a:effectRef idx="0">
+            <a:schemeClr val="accent1"/>
+          </a:effectRef>
+          <a:fontRef idx="minor">
+            <a:schemeClr val="tx1"/>
+          </a:fontRef>
+        </p:style>
+      </p:cxnSp>
+      <p:sp>
+        <p:nvSpPr>
+          <p:cNvPr id="33" name="文本框 32"/>
+          <p:cNvSpPr txBox="1"/>
+          <p:nvPr/>
+        </p:nvSpPr>
+        <p:spPr>
+          <a:xfrm>
+            <a:off x="4838700" y="1393825"/>
+            <a:ext cx="527050" cy="368300"/>
+          </a:xfrm>
+          <a:prstGeom prst="rect">
+            <a:avLst/>
+          </a:prstGeom>
+          <a:noFill/>
+        </p:spPr>
+        <p:txBody>
+          <a:bodyPr wrap="square" rtlCol="0">
+            <a:spAutoFit/>
+          </a:bodyPr>
+          <a:p>
+            <a:r>
+              <a:rPr lang="en-US" altLang="zh-CN"/>
+              <a:t>M</a:t>
+            </a:r>
+            <a:endParaRPr lang="en-US" altLang="zh-CN"/>
+          </a:p>
+        </p:txBody>
+      </p:sp>
+      <p:sp>
+        <p:nvSpPr>
+          <p:cNvPr id="12" name="文本框 11"/>
+          <p:cNvSpPr txBox="1"/>
+          <p:nvPr/>
+        </p:nvSpPr>
+        <p:spPr>
+          <a:xfrm>
+            <a:off x="4566920" y="1365885"/>
+            <a:ext cx="467995" cy="368300"/>
+          </a:xfrm>
+          <a:prstGeom prst="rect">
+            <a:avLst/>
+          </a:prstGeom>
+          <a:noFill/>
+        </p:spPr>
+        <p:txBody>
+          <a:bodyPr wrap="square" rtlCol="0">
+            <a:spAutoFit/>
+          </a:bodyPr>
+          <a:p>
+            <a:r>
+              <a:rPr lang="en-US" altLang="zh-CN">
+                <a:latin typeface="微软雅黑" panose="020B0503020204020204" charset="-122"/>
+                <a:ea typeface="微软雅黑" panose="020B0503020204020204" charset="-122"/>
+              </a:rPr>
+              <a:t>γ</a:t>
+            </a:r>
+            <a:endParaRPr lang="en-US" altLang="zh-CN">
+              <a:latin typeface="微软雅黑" panose="020B0503020204020204" charset="-122"/>
+              <a:ea typeface="微软雅黑" panose="020B0503020204020204" charset="-122"/>
+            </a:endParaRPr>
+          </a:p>
+        </p:txBody>
+      </p:sp>
+      <p:cxnSp>
+        <p:nvCxnSpPr>
+          <p:cNvPr id="10" name="直接箭头连接符 9"/>
+          <p:cNvCxnSpPr/>
+          <p:nvPr>
+            <p:custDataLst>
+              <p:tags r:id="rId6"/>
+            </p:custDataLst>
+          </p:nvPr>
+        </p:nvCxnSpPr>
+        <p:spPr>
+          <a:xfrm flipV="1">
+            <a:off x="4533900" y="1762125"/>
+            <a:ext cx="411480" cy="1125220"/>
+          </a:xfrm>
+          <a:prstGeom prst="straightConnector1">
+            <a:avLst/>
+          </a:prstGeom>
+          <a:ln>
+            <a:tailEnd type="arrow" w="med" len="med"/>
+          </a:ln>
+        </p:spPr>
+        <p:style>
+          <a:lnRef idx="3">
+            <a:schemeClr val="accent6"/>
+          </a:lnRef>
+          <a:fillRef idx="0">
+            <a:schemeClr val="accent6"/>
+          </a:fillRef>
+          <a:effectRef idx="2">
+            <a:schemeClr val="accent6"/>
+          </a:effectRef>
+          <a:fontRef idx="minor">
+            <a:schemeClr val="tx1"/>
+          </a:fontRef>
+        </p:style>
+      </p:cxnSp>
+    </p:spTree>
+  </p:cSld>
+  <p:clrMapOvr>
+    <a:masterClrMapping/>
+  </p:clrMapOvr>
+</p:sld>
+</file>
+
+<file path=ppt/slides/slide5.xml><?xml version="1.0" encoding="utf-8"?>
+<p:sld xmlns:a="http://schemas.openxmlformats.org/drawingml/2006/main" xmlns:r="http://schemas.openxmlformats.org/officeDocument/2006/relationships" xmlns:p="http://schemas.openxmlformats.org/presentationml/2006/main">
+  <p:cSld>
+    <p:spTree>
+      <p:nvGrpSpPr>
+        <p:cNvPr id="1" name=""/>
+        <p:cNvGrpSpPr/>
+        <p:nvPr/>
+      </p:nvGrpSpPr>
+      <p:grpSpPr/>
+      <p:cxnSp>
+        <p:nvCxnSpPr>
+          <p:cNvPr id="5" name="直接箭头连接符 4"/>
+          <p:cNvCxnSpPr/>
+          <p:nvPr>
+            <p:custDataLst>
+              <p:tags r:id="rId1"/>
+            </p:custDataLst>
+          </p:nvPr>
+        </p:nvCxnSpPr>
+        <p:spPr>
+          <a:xfrm>
+            <a:off x="2882900" y="2906395"/>
+            <a:ext cx="3830320" cy="11430"/>
+          </a:xfrm>
+          <a:prstGeom prst="straightConnector1">
+            <a:avLst/>
+          </a:prstGeom>
+          <a:ln>
+            <a:tailEnd type="arrow" w="med" len="med"/>
+          </a:ln>
+        </p:spPr>
+        <p:style>
+          <a:lnRef idx="1">
+            <a:schemeClr val="accent2"/>
+          </a:lnRef>
+          <a:fillRef idx="0">
+            <a:schemeClr val="accent2"/>
+          </a:fillRef>
+          <a:effectRef idx="0">
+            <a:schemeClr val="accent2"/>
+          </a:effectRef>
+          <a:fontRef idx="minor">
+            <a:schemeClr val="tx1"/>
+          </a:fontRef>
+        </p:style>
+      </p:cxnSp>
+      <p:cxnSp>
+        <p:nvCxnSpPr>
+          <p:cNvPr id="6" name="直接箭头连接符 5"/>
+          <p:cNvCxnSpPr/>
+          <p:nvPr>
+            <p:custDataLst>
+              <p:tags r:id="rId2"/>
+            </p:custDataLst>
+          </p:nvPr>
+        </p:nvCxnSpPr>
+        <p:spPr>
+          <a:xfrm flipH="1" flipV="1">
+            <a:off x="4552950" y="1068705"/>
+            <a:ext cx="12700" cy="2863850"/>
+          </a:xfrm>
+          <a:prstGeom prst="straightConnector1">
+            <a:avLst/>
+          </a:prstGeom>
+          <a:ln>
+            <a:tailEnd type="arrow" w="med" len="med"/>
+          </a:ln>
+        </p:spPr>
+        <p:style>
+          <a:lnRef idx="1">
+            <a:schemeClr val="accent4"/>
+          </a:lnRef>
+          <a:fillRef idx="0">
+            <a:schemeClr val="accent4"/>
+          </a:fillRef>
+          <a:effectRef idx="0">
+            <a:schemeClr val="accent4"/>
+          </a:effectRef>
+          <a:fontRef idx="minor">
+            <a:schemeClr val="tx1"/>
+          </a:fontRef>
+        </p:style>
+      </p:cxnSp>
+      <p:sp>
+        <p:nvSpPr>
+          <p:cNvPr id="7" name="文本框 6"/>
+          <p:cNvSpPr txBox="1"/>
+          <p:nvPr/>
+        </p:nvSpPr>
+        <p:spPr>
+          <a:xfrm>
+            <a:off x="4584700" y="772795"/>
+            <a:ext cx="467995" cy="368300"/>
+          </a:xfrm>
+          <a:prstGeom prst="rect">
+            <a:avLst/>
+          </a:prstGeom>
+          <a:noFill/>
+        </p:spPr>
+        <p:txBody>
+          <a:bodyPr wrap="square" rtlCol="0">
+            <a:spAutoFit/>
+          </a:bodyPr>
+          <a:p>
+            <a:r>
+              <a:rPr lang="en-US" altLang="zh-CN"/>
+              <a:t>Z</a:t>
+            </a:r>
+            <a:endParaRPr lang="en-US" altLang="zh-CN"/>
+          </a:p>
+        </p:txBody>
+      </p:sp>
+      <p:sp>
+        <p:nvSpPr>
+          <p:cNvPr id="8" name="文本框 7"/>
+          <p:cNvSpPr txBox="1"/>
+          <p:nvPr>
+            <p:custDataLst>
+              <p:tags r:id="rId3"/>
+            </p:custDataLst>
+          </p:nvPr>
+        </p:nvSpPr>
+        <p:spPr>
+          <a:xfrm>
+            <a:off x="6713220" y="2917825"/>
+            <a:ext cx="467995" cy="368300"/>
+          </a:xfrm>
+          <a:prstGeom prst="rect">
+            <a:avLst/>
+          </a:prstGeom>
+          <a:noFill/>
+        </p:spPr>
+        <p:txBody>
+          <a:bodyPr wrap="square" rtlCol="0">
+            <a:spAutoFit/>
+          </a:bodyPr>
+          <a:p>
+            <a:r>
+              <a:rPr lang="en-US" altLang="zh-CN"/>
+              <a:t>Y</a:t>
             </a:r>
             <a:endParaRPr lang="en-US" altLang="zh-CN"/>
           </a:p>
@@ -4766,9 +5854,9 @@
           <p:nvPr/>
         </p:nvCxnSpPr>
         <p:spPr>
-          <a:xfrm flipH="1" flipV="1">
-            <a:off x="3835400" y="1953895"/>
-            <a:ext cx="698500" cy="933450"/>
+          <a:xfrm flipV="1">
+            <a:off x="4559300" y="1976755"/>
+            <a:ext cx="1168400" cy="929640"/>
           </a:xfrm>
           <a:prstGeom prst="straightConnector1">
             <a:avLst/>
@@ -4798,14 +5886,14 @@
           <p:cNvCxnSpPr/>
           <p:nvPr>
             <p:custDataLst>
-              <p:tags r:id="rId5"/>
+              <p:tags r:id="rId4"/>
             </p:custDataLst>
           </p:nvPr>
         </p:nvCxnSpPr>
         <p:spPr>
           <a:xfrm>
-            <a:off x="3052445" y="2915285"/>
-            <a:ext cx="1500505" cy="5080"/>
+            <a:off x="4578350" y="1976755"/>
+            <a:ext cx="1073150" cy="5080"/>
           </a:xfrm>
           <a:prstGeom prst="line">
             <a:avLst/>
@@ -4842,7 +5930,7 @@
         </p:nvSpPr>
         <p:spPr>
           <a:xfrm>
-            <a:off x="3670300" y="1585595"/>
+            <a:off x="5727700" y="1649095"/>
             <a:ext cx="527050" cy="368300"/>
           </a:xfrm>
           <a:prstGeom prst="rect">
@@ -4865,13 +5953,113 @@
       </p:sp>
       <p:sp>
         <p:nvSpPr>
-          <p:cNvPr id="12" name="文本框 11"/>
+          <p:cNvPr id="10" name="文本框 9"/>
           <p:cNvSpPr txBox="1"/>
           <p:nvPr/>
         </p:nvSpPr>
         <p:spPr>
           <a:xfrm>
-            <a:off x="4984750" y="2290445"/>
+            <a:off x="4057650" y="1731645"/>
+            <a:ext cx="527050" cy="368300"/>
+          </a:xfrm>
+          <a:prstGeom prst="rect">
+            <a:avLst/>
+          </a:prstGeom>
+          <a:noFill/>
+        </p:spPr>
+        <p:txBody>
+          <a:bodyPr wrap="square" rtlCol="0">
+            <a:spAutoFit/>
+          </a:bodyPr>
+          <a:p>
+            <a:r>
+              <a:rPr lang="en-US" altLang="zh-CN"/>
+              <a:t>Mz</a:t>
+            </a:r>
+            <a:endParaRPr lang="en-US" altLang="zh-CN"/>
+          </a:p>
+        </p:txBody>
+      </p:sp>
+      <p:sp>
+        <p:nvSpPr>
+          <p:cNvPr id="11" name="文本框 10"/>
+          <p:cNvSpPr txBox="1"/>
+          <p:nvPr/>
+        </p:nvSpPr>
+        <p:spPr>
+          <a:xfrm>
+            <a:off x="5375910" y="2969895"/>
+            <a:ext cx="527050" cy="368300"/>
+          </a:xfrm>
+          <a:prstGeom prst="rect">
+            <a:avLst/>
+          </a:prstGeom>
+          <a:noFill/>
+        </p:spPr>
+        <p:txBody>
+          <a:bodyPr wrap="square" rtlCol="0">
+            <a:spAutoFit/>
+          </a:bodyPr>
+          <a:p>
+            <a:r>
+              <a:rPr lang="en-US" altLang="zh-CN"/>
+              <a:t>My</a:t>
+            </a:r>
+            <a:endParaRPr lang="en-US" altLang="zh-CN"/>
+          </a:p>
+        </p:txBody>
+      </p:sp>
+      <p:cxnSp>
+        <p:nvCxnSpPr>
+          <p:cNvPr id="13" name="直接连接符 12"/>
+          <p:cNvCxnSpPr/>
+          <p:nvPr>
+            <p:custDataLst>
+              <p:tags r:id="rId5"/>
+            </p:custDataLst>
+          </p:nvPr>
+        </p:nvCxnSpPr>
+        <p:spPr>
+          <a:xfrm>
+            <a:off x="5695950" y="2008505"/>
+            <a:ext cx="0" cy="895350"/>
+          </a:xfrm>
+          <a:prstGeom prst="line">
+            <a:avLst/>
+          </a:prstGeom>
+          <a:ln w="12700" cmpd="sng">
+            <a:solidFill>
+              <a:schemeClr val="accent1">
+                <a:shade val="50000"/>
+              </a:schemeClr>
+            </a:solidFill>
+            <a:prstDash val="sysDot"/>
+          </a:ln>
+        </p:spPr>
+        <p:style>
+          <a:lnRef idx="1">
+            <a:schemeClr val="accent1"/>
+          </a:lnRef>
+          <a:fillRef idx="0">
+            <a:schemeClr val="accent1"/>
+          </a:fillRef>
+          <a:effectRef idx="0">
+            <a:schemeClr val="accent1"/>
+          </a:effectRef>
+          <a:fontRef idx="minor">
+            <a:schemeClr val="tx1"/>
+          </a:fontRef>
+        </p:style>
+      </p:cxnSp>
+      <p:sp>
+        <p:nvSpPr>
+          <p:cNvPr id="14" name="文本框 13"/>
+          <p:cNvSpPr txBox="1"/>
+          <p:nvPr/>
+        </p:nvSpPr>
+        <p:spPr>
+          <a:xfrm>
+            <a:off x="4826000" y="2538095"/>
             <a:ext cx="467995" cy="368300"/>
           </a:xfrm>
           <a:prstGeom prst="rect">
@@ -4895,6 +6083,43 @@
               <a:latin typeface="微软雅黑" panose="020B0503020204020204" charset="-122"/>
               <a:ea typeface="微软雅黑" panose="020B0503020204020204" charset="-122"/>
             </a:endParaRPr>
+          </a:p>
+        </p:txBody>
+      </p:sp>
+      <p:sp>
+        <p:nvSpPr>
+          <p:cNvPr id="15" name="弧形 14"/>
+          <p:cNvSpPr/>
+          <p:nvPr/>
+        </p:nvSpPr>
+        <p:spPr>
+          <a:xfrm rot="1080000">
+            <a:off x="4622800" y="2732405"/>
+            <a:ext cx="266700" cy="285115"/>
+          </a:xfrm>
+          <a:prstGeom prst="arc">
+            <a:avLst/>
+          </a:prstGeom>
+        </p:spPr>
+        <p:style>
+          <a:lnRef idx="1">
+            <a:schemeClr val="accent1"/>
+          </a:lnRef>
+          <a:fillRef idx="0">
+            <a:schemeClr val="accent1"/>
+          </a:fillRef>
+          <a:effectRef idx="0">
+            <a:schemeClr val="accent1"/>
+          </a:effectRef>
+          <a:fontRef idx="minor">
+            <a:schemeClr val="tx1"/>
+          </a:fontRef>
+        </p:style>
+        <p:txBody>
+          <a:bodyPr rtlCol="0" anchor="ctr"/>
+          <a:p>
+            <a:pPr algn="ctr"/>
+            <a:endParaRPr lang="zh-CN" altLang="en-US"/>
           </a:p>
         </p:txBody>
       </p:sp>
@@ -4906,7 +6131,7 @@
 </p:sld>
 </file>
 
-<file path=ppt/slides/slide4.xml><?xml version="1.0" encoding="utf-8"?>
+<file path=ppt/slides/slide6.xml><?xml version="1.0" encoding="utf-8"?>
 <p:sld xmlns:a="http://schemas.openxmlformats.org/drawingml/2006/main" xmlns:r="http://schemas.openxmlformats.org/officeDocument/2006/relationships" xmlns:p="http://schemas.openxmlformats.org/presentationml/2006/main">
   <p:cSld>
     <p:spTree>
@@ -5013,7 +6238,7 @@
           <a:p>
             <a:r>
               <a:rPr lang="en-US" altLang="zh-CN"/>
-              <a:t>Z</a:t>
+              <a:t>X</a:t>
             </a:r>
             <a:endParaRPr lang="en-US" altLang="zh-CN"/>
           </a:p>
@@ -5046,7 +6271,7 @@
           <a:p>
             <a:r>
               <a:rPr lang="en-US" altLang="zh-CN"/>
-              <a:t>Y</a:t>
+              <a:t>Z</a:t>
             </a:r>
             <a:endParaRPr lang="en-US" altLang="zh-CN"/>
           </a:p>
@@ -5179,7 +6404,7 @@
           <a:p>
             <a:r>
               <a:rPr lang="en-US" altLang="zh-CN"/>
-              <a:t>Mz</a:t>
+              <a:t>Mx</a:t>
             </a:r>
             <a:endParaRPr lang="en-US" altLang="zh-CN"/>
           </a:p>
@@ -5208,7 +6433,7 @@
           <a:p>
             <a:r>
               <a:rPr lang="en-US" altLang="zh-CN"/>
-              <a:t>My</a:t>
+              <a:t>Mz</a:t>
             </a:r>
             <a:endParaRPr lang="en-US" altLang="zh-CN"/>
           </a:p>
@@ -5336,437 +6561,7 @@
 </p:sld>
 </file>
 
-<file path=ppt/slides/slide5.xml><?xml version="1.0" encoding="utf-8"?>
-<p:sld xmlns:a="http://schemas.openxmlformats.org/drawingml/2006/main" xmlns:r="http://schemas.openxmlformats.org/officeDocument/2006/relationships" xmlns:p="http://schemas.openxmlformats.org/presentationml/2006/main">
-  <p:cSld>
-    <p:spTree>
-      <p:nvGrpSpPr>
-        <p:cNvPr id="1" name=""/>
-        <p:cNvGrpSpPr/>
-        <p:nvPr/>
-      </p:nvGrpSpPr>
-      <p:grpSpPr/>
-      <p:cxnSp>
-        <p:nvCxnSpPr>
-          <p:cNvPr id="5" name="直接箭头连接符 4"/>
-          <p:cNvCxnSpPr/>
-          <p:nvPr>
-            <p:custDataLst>
-              <p:tags r:id="rId1"/>
-            </p:custDataLst>
-          </p:nvPr>
-        </p:nvCxnSpPr>
-        <p:spPr>
-          <a:xfrm>
-            <a:off x="2882900" y="2906395"/>
-            <a:ext cx="3830320" cy="11430"/>
-          </a:xfrm>
-          <a:prstGeom prst="straightConnector1">
-            <a:avLst/>
-          </a:prstGeom>
-          <a:ln>
-            <a:tailEnd type="arrow" w="med" len="med"/>
-          </a:ln>
-        </p:spPr>
-        <p:style>
-          <a:lnRef idx="1">
-            <a:schemeClr val="accent2"/>
-          </a:lnRef>
-          <a:fillRef idx="0">
-            <a:schemeClr val="accent2"/>
-          </a:fillRef>
-          <a:effectRef idx="0">
-            <a:schemeClr val="accent2"/>
-          </a:effectRef>
-          <a:fontRef idx="minor">
-            <a:schemeClr val="tx1"/>
-          </a:fontRef>
-        </p:style>
-      </p:cxnSp>
-      <p:cxnSp>
-        <p:nvCxnSpPr>
-          <p:cNvPr id="6" name="直接箭头连接符 5"/>
-          <p:cNvCxnSpPr/>
-          <p:nvPr>
-            <p:custDataLst>
-              <p:tags r:id="rId2"/>
-            </p:custDataLst>
-          </p:nvPr>
-        </p:nvCxnSpPr>
-        <p:spPr>
-          <a:xfrm flipH="1" flipV="1">
-            <a:off x="4552950" y="1068705"/>
-            <a:ext cx="12700" cy="2863850"/>
-          </a:xfrm>
-          <a:prstGeom prst="straightConnector1">
-            <a:avLst/>
-          </a:prstGeom>
-          <a:ln>
-            <a:tailEnd type="arrow" w="med" len="med"/>
-          </a:ln>
-        </p:spPr>
-        <p:style>
-          <a:lnRef idx="1">
-            <a:schemeClr val="accent4"/>
-          </a:lnRef>
-          <a:fillRef idx="0">
-            <a:schemeClr val="accent4"/>
-          </a:fillRef>
-          <a:effectRef idx="0">
-            <a:schemeClr val="accent4"/>
-          </a:effectRef>
-          <a:fontRef idx="minor">
-            <a:schemeClr val="tx1"/>
-          </a:fontRef>
-        </p:style>
-      </p:cxnSp>
-      <p:sp>
-        <p:nvSpPr>
-          <p:cNvPr id="7" name="文本框 6"/>
-          <p:cNvSpPr txBox="1"/>
-          <p:nvPr/>
-        </p:nvSpPr>
-        <p:spPr>
-          <a:xfrm>
-            <a:off x="4584700" y="772795"/>
-            <a:ext cx="467995" cy="368300"/>
-          </a:xfrm>
-          <a:prstGeom prst="rect">
-            <a:avLst/>
-          </a:prstGeom>
-          <a:noFill/>
-        </p:spPr>
-        <p:txBody>
-          <a:bodyPr wrap="square" rtlCol="0">
-            <a:spAutoFit/>
-          </a:bodyPr>
-          <a:p>
-            <a:r>
-              <a:rPr lang="en-US" altLang="zh-CN"/>
-              <a:t>X</a:t>
-            </a:r>
-            <a:endParaRPr lang="en-US" altLang="zh-CN"/>
-          </a:p>
-        </p:txBody>
-      </p:sp>
-      <p:sp>
-        <p:nvSpPr>
-          <p:cNvPr id="8" name="文本框 7"/>
-          <p:cNvSpPr txBox="1"/>
-          <p:nvPr>
-            <p:custDataLst>
-              <p:tags r:id="rId3"/>
-            </p:custDataLst>
-          </p:nvPr>
-        </p:nvSpPr>
-        <p:spPr>
-          <a:xfrm>
-            <a:off x="6713220" y="2917825"/>
-            <a:ext cx="467995" cy="368300"/>
-          </a:xfrm>
-          <a:prstGeom prst="rect">
-            <a:avLst/>
-          </a:prstGeom>
-          <a:noFill/>
-        </p:spPr>
-        <p:txBody>
-          <a:bodyPr wrap="square" rtlCol="0">
-            <a:spAutoFit/>
-          </a:bodyPr>
-          <a:p>
-            <a:r>
-              <a:rPr lang="en-US" altLang="zh-CN"/>
-              <a:t>Z</a:t>
-            </a:r>
-            <a:endParaRPr lang="en-US" altLang="zh-CN"/>
-          </a:p>
-        </p:txBody>
-      </p:sp>
-      <p:cxnSp>
-        <p:nvCxnSpPr>
-          <p:cNvPr id="3" name="直接箭头连接符 2"/>
-          <p:cNvCxnSpPr/>
-          <p:nvPr/>
-        </p:nvCxnSpPr>
-        <p:spPr>
-          <a:xfrm flipV="1">
-            <a:off x="4559300" y="1976755"/>
-            <a:ext cx="1168400" cy="929640"/>
-          </a:xfrm>
-          <a:prstGeom prst="straightConnector1">
-            <a:avLst/>
-          </a:prstGeom>
-          <a:ln>
-            <a:tailEnd type="arrow" w="med" len="med"/>
-          </a:ln>
-        </p:spPr>
-        <p:style>
-          <a:lnRef idx="3">
-            <a:schemeClr val="accent6"/>
-          </a:lnRef>
-          <a:fillRef idx="0">
-            <a:schemeClr val="accent6"/>
-          </a:fillRef>
-          <a:effectRef idx="2">
-            <a:schemeClr val="accent6"/>
-          </a:effectRef>
-          <a:fontRef idx="minor">
-            <a:schemeClr val="tx1"/>
-          </a:fontRef>
-        </p:style>
-      </p:cxnSp>
-      <p:cxnSp>
-        <p:nvCxnSpPr>
-          <p:cNvPr id="30" name="直接连接符 29"/>
-          <p:cNvCxnSpPr/>
-          <p:nvPr>
-            <p:custDataLst>
-              <p:tags r:id="rId4"/>
-            </p:custDataLst>
-          </p:nvPr>
-        </p:nvCxnSpPr>
-        <p:spPr>
-          <a:xfrm>
-            <a:off x="4578350" y="1976755"/>
-            <a:ext cx="1073150" cy="5080"/>
-          </a:xfrm>
-          <a:prstGeom prst="line">
-            <a:avLst/>
-          </a:prstGeom>
-          <a:ln w="12700" cmpd="sng">
-            <a:solidFill>
-              <a:schemeClr val="accent1">
-                <a:shade val="50000"/>
-              </a:schemeClr>
-            </a:solidFill>
-            <a:prstDash val="sysDot"/>
-          </a:ln>
-        </p:spPr>
-        <p:style>
-          <a:lnRef idx="1">
-            <a:schemeClr val="accent1"/>
-          </a:lnRef>
-          <a:fillRef idx="0">
-            <a:schemeClr val="accent1"/>
-          </a:fillRef>
-          <a:effectRef idx="0">
-            <a:schemeClr val="accent1"/>
-          </a:effectRef>
-          <a:fontRef idx="minor">
-            <a:schemeClr val="tx1"/>
-          </a:fontRef>
-        </p:style>
-      </p:cxnSp>
-      <p:sp>
-        <p:nvSpPr>
-          <p:cNvPr id="33" name="文本框 32"/>
-          <p:cNvSpPr txBox="1"/>
-          <p:nvPr/>
-        </p:nvSpPr>
-        <p:spPr>
-          <a:xfrm>
-            <a:off x="5727700" y="1649095"/>
-            <a:ext cx="527050" cy="368300"/>
-          </a:xfrm>
-          <a:prstGeom prst="rect">
-            <a:avLst/>
-          </a:prstGeom>
-          <a:noFill/>
-        </p:spPr>
-        <p:txBody>
-          <a:bodyPr wrap="square" rtlCol="0">
-            <a:spAutoFit/>
-          </a:bodyPr>
-          <a:p>
-            <a:r>
-              <a:rPr lang="en-US" altLang="zh-CN"/>
-              <a:t>M</a:t>
-            </a:r>
-            <a:endParaRPr lang="en-US" altLang="zh-CN"/>
-          </a:p>
-        </p:txBody>
-      </p:sp>
-      <p:sp>
-        <p:nvSpPr>
-          <p:cNvPr id="10" name="文本框 9"/>
-          <p:cNvSpPr txBox="1"/>
-          <p:nvPr/>
-        </p:nvSpPr>
-        <p:spPr>
-          <a:xfrm>
-            <a:off x="4057650" y="1731645"/>
-            <a:ext cx="527050" cy="368300"/>
-          </a:xfrm>
-          <a:prstGeom prst="rect">
-            <a:avLst/>
-          </a:prstGeom>
-          <a:noFill/>
-        </p:spPr>
-        <p:txBody>
-          <a:bodyPr wrap="square" rtlCol="0">
-            <a:spAutoFit/>
-          </a:bodyPr>
-          <a:p>
-            <a:r>
-              <a:rPr lang="en-US" altLang="zh-CN"/>
-              <a:t>Mx</a:t>
-            </a:r>
-            <a:endParaRPr lang="en-US" altLang="zh-CN"/>
-          </a:p>
-        </p:txBody>
-      </p:sp>
-      <p:sp>
-        <p:nvSpPr>
-          <p:cNvPr id="11" name="文本框 10"/>
-          <p:cNvSpPr txBox="1"/>
-          <p:nvPr/>
-        </p:nvSpPr>
-        <p:spPr>
-          <a:xfrm>
-            <a:off x="5375910" y="2969895"/>
-            <a:ext cx="527050" cy="368300"/>
-          </a:xfrm>
-          <a:prstGeom prst="rect">
-            <a:avLst/>
-          </a:prstGeom>
-          <a:noFill/>
-        </p:spPr>
-        <p:txBody>
-          <a:bodyPr wrap="square" rtlCol="0">
-            <a:spAutoFit/>
-          </a:bodyPr>
-          <a:p>
-            <a:r>
-              <a:rPr lang="en-US" altLang="zh-CN"/>
-              <a:t>Mz</a:t>
-            </a:r>
-            <a:endParaRPr lang="en-US" altLang="zh-CN"/>
-          </a:p>
-        </p:txBody>
-      </p:sp>
-      <p:cxnSp>
-        <p:nvCxnSpPr>
-          <p:cNvPr id="13" name="直接连接符 12"/>
-          <p:cNvCxnSpPr/>
-          <p:nvPr>
-            <p:custDataLst>
-              <p:tags r:id="rId5"/>
-            </p:custDataLst>
-          </p:nvPr>
-        </p:nvCxnSpPr>
-        <p:spPr>
-          <a:xfrm>
-            <a:off x="5695950" y="2008505"/>
-            <a:ext cx="0" cy="895350"/>
-          </a:xfrm>
-          <a:prstGeom prst="line">
-            <a:avLst/>
-          </a:prstGeom>
-          <a:ln w="12700" cmpd="sng">
-            <a:solidFill>
-              <a:schemeClr val="accent1">
-                <a:shade val="50000"/>
-              </a:schemeClr>
-            </a:solidFill>
-            <a:prstDash val="sysDot"/>
-          </a:ln>
-        </p:spPr>
-        <p:style>
-          <a:lnRef idx="1">
-            <a:schemeClr val="accent1"/>
-          </a:lnRef>
-          <a:fillRef idx="0">
-            <a:schemeClr val="accent1"/>
-          </a:fillRef>
-          <a:effectRef idx="0">
-            <a:schemeClr val="accent1"/>
-          </a:effectRef>
-          <a:fontRef idx="minor">
-            <a:schemeClr val="tx1"/>
-          </a:fontRef>
-        </p:style>
-      </p:cxnSp>
-      <p:sp>
-        <p:nvSpPr>
-          <p:cNvPr id="14" name="文本框 13"/>
-          <p:cNvSpPr txBox="1"/>
-          <p:nvPr/>
-        </p:nvSpPr>
-        <p:spPr>
-          <a:xfrm>
-            <a:off x="4826000" y="2538095"/>
-            <a:ext cx="467995" cy="368300"/>
-          </a:xfrm>
-          <a:prstGeom prst="rect">
-            <a:avLst/>
-          </a:prstGeom>
-          <a:noFill/>
-        </p:spPr>
-        <p:txBody>
-          <a:bodyPr wrap="square" rtlCol="0">
-            <a:spAutoFit/>
-          </a:bodyPr>
-          <a:p>
-            <a:r>
-              <a:rPr lang="en-US" altLang="zh-CN">
-                <a:latin typeface="微软雅黑" panose="020B0503020204020204" charset="-122"/>
-                <a:ea typeface="微软雅黑" panose="020B0503020204020204" charset="-122"/>
-              </a:rPr>
-              <a:t>γ</a:t>
-            </a:r>
-            <a:endParaRPr lang="en-US" altLang="zh-CN">
-              <a:latin typeface="微软雅黑" panose="020B0503020204020204" charset="-122"/>
-              <a:ea typeface="微软雅黑" panose="020B0503020204020204" charset="-122"/>
-            </a:endParaRPr>
-          </a:p>
-        </p:txBody>
-      </p:sp>
-      <p:sp>
-        <p:nvSpPr>
-          <p:cNvPr id="15" name="弧形 14"/>
-          <p:cNvSpPr/>
-          <p:nvPr/>
-        </p:nvSpPr>
-        <p:spPr>
-          <a:xfrm rot="1080000">
-            <a:off x="4622800" y="2732405"/>
-            <a:ext cx="266700" cy="285115"/>
-          </a:xfrm>
-          <a:prstGeom prst="arc">
-            <a:avLst/>
-          </a:prstGeom>
-        </p:spPr>
-        <p:style>
-          <a:lnRef idx="1">
-            <a:schemeClr val="accent1"/>
-          </a:lnRef>
-          <a:fillRef idx="0">
-            <a:schemeClr val="accent1"/>
-          </a:fillRef>
-          <a:effectRef idx="0">
-            <a:schemeClr val="accent1"/>
-          </a:effectRef>
-          <a:fontRef idx="minor">
-            <a:schemeClr val="tx1"/>
-          </a:fontRef>
-        </p:style>
-        <p:txBody>
-          <a:bodyPr rtlCol="0" anchor="ctr"/>
-          <a:p>
-            <a:pPr algn="ctr"/>
-            <a:endParaRPr lang="zh-CN" altLang="en-US"/>
-          </a:p>
-        </p:txBody>
-      </p:sp>
-    </p:spTree>
-  </p:cSld>
-  <p:clrMapOvr>
-    <a:masterClrMapping/>
-  </p:clrMapOvr>
-</p:sld>
-</file>
-
-<file path=ppt/slides/slide6.xml><?xml version="1.0" encoding="utf-8"?>
+<file path=ppt/slides/slide7.xml><?xml version="1.0" encoding="utf-8"?>
 <p:sld xmlns:a="http://schemas.openxmlformats.org/drawingml/2006/main" xmlns:r="http://schemas.openxmlformats.org/officeDocument/2006/relationships" xmlns:p="http://schemas.openxmlformats.org/presentationml/2006/main">
   <p:cSld>
     <p:spTree>
@@ -5990,8 +6785,61 @@
 
 <file path=ppt/tags/tag40.xml><?xml version="1.0" encoding="utf-8"?>
 <p:tagLst xmlns:p="http://schemas.openxmlformats.org/presentationml/2006/main">
-  <p:tag name="COMMONDATA" val="eyJoZGlkIjoiMWU1OTdjOTFjYWIzZTE2MzQ5OGQ5ZGY4ZDNiNjcyODEifQ=="/>
-  <p:tag name="KSO_WPP_MARK_KEY" val="6a6886af-06e5-441e-af1c-c4ffbb6a0a9d"/>
+  <p:tag name="KSO_WM_BEAUTIFY_FLAG" val=""/>
+</p:tagLst>
+</file>
+
+<file path=ppt/tags/tag41.xml><?xml version="1.0" encoding="utf-8"?>
+<p:tagLst xmlns:p="http://schemas.openxmlformats.org/presentationml/2006/main">
+  <p:tag name="KSO_WM_BEAUTIFY_FLAG" val=""/>
+</p:tagLst>
+</file>
+
+<file path=ppt/tags/tag42.xml><?xml version="1.0" encoding="utf-8"?>
+<p:tagLst xmlns:p="http://schemas.openxmlformats.org/presentationml/2006/main">
+  <p:tag name="KSO_WM_BEAUTIFY_FLAG" val=""/>
+</p:tagLst>
+</file>
+
+<file path=ppt/tags/tag43.xml><?xml version="1.0" encoding="utf-8"?>
+<p:tagLst xmlns:p="http://schemas.openxmlformats.org/presentationml/2006/main">
+  <p:tag name="KSO_WM_BEAUTIFY_FLAG" val=""/>
+</p:tagLst>
+</file>
+
+<file path=ppt/tags/tag44.xml><?xml version="1.0" encoding="utf-8"?>
+<p:tagLst xmlns:p="http://schemas.openxmlformats.org/presentationml/2006/main">
+  <p:tag name="KSO_WM_BEAUTIFY_FLAG" val=""/>
+</p:tagLst>
+</file>
+
+<file path=ppt/tags/tag45.xml><?xml version="1.0" encoding="utf-8"?>
+<p:tagLst xmlns:p="http://schemas.openxmlformats.org/presentationml/2006/main">
+  <p:tag name="KSO_WM_BEAUTIFY_FLAG" val=""/>
+</p:tagLst>
+</file>
+
+<file path=ppt/tags/tag46.xml><?xml version="1.0" encoding="utf-8"?>
+<p:tagLst xmlns:p="http://schemas.openxmlformats.org/presentationml/2006/main">
+  <p:tag name="KSO_WM_BEAUTIFY_FLAG" val=""/>
+</p:tagLst>
+</file>
+
+<file path=ppt/tags/tag47.xml><?xml version="1.0" encoding="utf-8"?>
+<p:tagLst xmlns:p="http://schemas.openxmlformats.org/presentationml/2006/main">
+  <p:tag name="KSO_WM_BEAUTIFY_FLAG" val=""/>
+</p:tagLst>
+</file>
+
+<file path=ppt/tags/tag48.xml><?xml version="1.0" encoding="utf-8"?>
+<p:tagLst xmlns:p="http://schemas.openxmlformats.org/presentationml/2006/main">
+  <p:tag name="KSO_WM_BEAUTIFY_FLAG" val=""/>
+</p:tagLst>
+</file>
+
+<file path=ppt/tags/tag49.xml><?xml version="1.0" encoding="utf-8"?>
+<p:tagLst xmlns:p="http://schemas.openxmlformats.org/presentationml/2006/main">
+  <p:tag name="KSO_WM_BEAUTIFY_FLAG" val=""/>
 </p:tagLst>
 </file>
 
@@ -6001,9 +6849,82 @@
 </p:tagLst>
 </file>
 
+<file path=ppt/tags/tag50.xml><?xml version="1.0" encoding="utf-8"?>
+<p:tagLst xmlns:p="http://schemas.openxmlformats.org/presentationml/2006/main">
+  <p:tag name="KSO_WM_BEAUTIFY_FLAG" val=""/>
+</p:tagLst>
+</file>
+
+<file path=ppt/tags/tag51.xml><?xml version="1.0" encoding="utf-8"?>
+<p:tagLst xmlns:p="http://schemas.openxmlformats.org/presentationml/2006/main">
+  <p:tag name="KSO_WM_BEAUTIFY_FLAG" val=""/>
+</p:tagLst>
+</file>
+
+<file path=ppt/tags/tag52.xml><?xml version="1.0" encoding="utf-8"?>
+<p:tagLst xmlns:p="http://schemas.openxmlformats.org/presentationml/2006/main">
+  <p:tag name="KSO_WM_BEAUTIFY_FLAG" val=""/>
+</p:tagLst>
+</file>
+
+<file path=ppt/tags/tag53.xml><?xml version="1.0" encoding="utf-8"?>
+<p:tagLst xmlns:p="http://schemas.openxmlformats.org/presentationml/2006/main">
+  <p:tag name="KSO_WM_BEAUTIFY_FLAG" val=""/>
+</p:tagLst>
+</file>
+
+<file path=ppt/tags/tag54.xml><?xml version="1.0" encoding="utf-8"?>
+<p:tagLst xmlns:p="http://schemas.openxmlformats.org/presentationml/2006/main">
+  <p:tag name="KSO_WM_BEAUTIFY_FLAG" val=""/>
+</p:tagLst>
+</file>
+
+<file path=ppt/tags/tag55.xml><?xml version="1.0" encoding="utf-8"?>
+<p:tagLst xmlns:p="http://schemas.openxmlformats.org/presentationml/2006/main">
+  <p:tag name="KSO_WM_BEAUTIFY_FLAG" val=""/>
+</p:tagLst>
+</file>
+
+<file path=ppt/tags/tag56.xml><?xml version="1.0" encoding="utf-8"?>
+<p:tagLst xmlns:p="http://schemas.openxmlformats.org/presentationml/2006/main">
+  <p:tag name="KSO_WM_BEAUTIFY_FLAG" val=""/>
+</p:tagLst>
+</file>
+
+<file path=ppt/tags/tag57.xml><?xml version="1.0" encoding="utf-8"?>
+<p:tagLst xmlns:p="http://schemas.openxmlformats.org/presentationml/2006/main">
+  <p:tag name="KSO_WM_BEAUTIFY_FLAG" val=""/>
+</p:tagLst>
+</file>
+
+<file path=ppt/tags/tag58.xml><?xml version="1.0" encoding="utf-8"?>
+<p:tagLst xmlns:p="http://schemas.openxmlformats.org/presentationml/2006/main">
+  <p:tag name="KSO_WM_BEAUTIFY_FLAG" val=""/>
+</p:tagLst>
+</file>
+
+<file path=ppt/tags/tag59.xml><?xml version="1.0" encoding="utf-8"?>
+<p:tagLst xmlns:p="http://schemas.openxmlformats.org/presentationml/2006/main">
+  <p:tag name="KSO_WM_BEAUTIFY_FLAG" val=""/>
+</p:tagLst>
+</file>
+
 <file path=ppt/tags/tag6.xml><?xml version="1.0" encoding="utf-8"?>
 <p:tagLst xmlns:p="http://schemas.openxmlformats.org/presentationml/2006/main">
   <p:tag name="KSO_WM_BEAUTIFY_FLAG" val=""/>
+</p:tagLst>
+</file>
+
+<file path=ppt/tags/tag60.xml><?xml version="1.0" encoding="utf-8"?>
+<p:tagLst xmlns:p="http://schemas.openxmlformats.org/presentationml/2006/main">
+  <p:tag name="KSO_WM_BEAUTIFY_FLAG" val=""/>
+</p:tagLst>
+</file>
+
+<file path=ppt/tags/tag61.xml><?xml version="1.0" encoding="utf-8"?>
+<p:tagLst xmlns:p="http://schemas.openxmlformats.org/presentationml/2006/main">
+  <p:tag name="COMMONDATA" val="eyJoZGlkIjoiMWU1OTdjOTFjYWIzZTE2MzQ5OGQ5ZGY4ZDNiNjcyODEifQ=="/>
+  <p:tag name="KSO_WPP_MARK_KEY" val="6a6886af-06e5-441e-af1c-c4ffbb6a0a9d"/>
 </p:tagLst>
 </file>
 
